--- a/展開清晨的翅膀(崇拜版).pptx
+++ b/展開清晨的翅膀(崇拜版).pptx
@@ -10,8 +10,13 @@
     <p:sldId id="258" r:id="rId4"/>
     <p:sldId id="259" r:id="rId5"/>
     <p:sldId id="260" r:id="rId6"/>
+    <p:sldId id="261" r:id="rId7"/>
+    <p:sldId id="262" r:id="rId8"/>
+    <p:sldId id="263" r:id="rId9"/>
+    <p:sldId id="264" r:id="rId10"/>
+    <p:sldId id="265" r:id="rId11"/>
   </p:sldIdLst>
-  <p:sldSz cx="9144000" cy="6858000" type="screen4x3"/>
+  <p:sldSz cx="12192000" cy="6858000"/>
   <p:notesSz cx="6858000" cy="9144000"/>
   <p:defaultTextStyle>
     <a:defPPr>
@@ -108,6 +113,22 @@
       </a:defRPr>
     </a:lvl9pPr>
   </p:defaultTextStyle>
+  <p:extLst>
+    <p:ext uri="{EFAFB233-063F-42B5-8137-9DF3F51BA10A}">
+      <p15:sldGuideLst xmlns:p15="http://schemas.microsoft.com/office/powerpoint/2012/main">
+        <p15:guide id="1" orient="horz" pos="2160" userDrawn="1">
+          <p15:clr>
+            <a:srgbClr val="A4A3A4"/>
+          </p15:clr>
+        </p15:guide>
+        <p15:guide id="2" pos="3840" userDrawn="1">
+          <p15:clr>
+            <a:srgbClr val="A4A3A4"/>
+          </p15:clr>
+        </p15:guide>
+      </p15:sldGuideLst>
+    </p:ext>
+  </p:extLst>
 </p:presentation>
 </file>
 
@@ -140,8 +161,8 @@
         </p:nvSpPr>
         <p:spPr>
           <a:xfrm>
-            <a:off x="685800" y="2130425"/>
-            <a:ext cx="7772400" cy="1470025"/>
+            <a:off x="914400" y="2130426"/>
+            <a:ext cx="10363200" cy="1470025"/>
           </a:xfrm>
         </p:spPr>
         <p:txBody>
@@ -168,8 +189,8 @@
         </p:nvSpPr>
         <p:spPr>
           <a:xfrm>
-            <a:off x="1371600" y="3886200"/>
-            <a:ext cx="6400800" cy="1752600"/>
+            <a:off x="1828800" y="3886200"/>
+            <a:ext cx="8534400" cy="1752600"/>
           </a:xfrm>
         </p:spPr>
         <p:txBody>
@@ -292,7 +313,7 @@
           <a:p>
             <a:fld id="{94FCA51A-FC6C-4B06-8AEA-4826E3E9CB8A}" type="datetimeFigureOut">
               <a:rPr lang="zh-TW" altLang="en-US" smtClean="0"/>
-              <a:t>2017/7/16</a:t>
+              <a:t>2020/12/30</a:t>
             </a:fld>
             <a:endParaRPr lang="zh-TW" altLang="en-US"/>
           </a:p>
@@ -457,7 +478,7 @@
           <a:p>
             <a:fld id="{94FCA51A-FC6C-4B06-8AEA-4826E3E9CB8A}" type="datetimeFigureOut">
               <a:rPr lang="zh-TW" altLang="en-US" smtClean="0"/>
-              <a:t>2017/7/16</a:t>
+              <a:t>2020/12/30</a:t>
             </a:fld>
             <a:endParaRPr lang="zh-TW" altLang="en-US"/>
           </a:p>
@@ -542,8 +563,8 @@
         </p:nvSpPr>
         <p:spPr>
           <a:xfrm>
-            <a:off x="6629400" y="274638"/>
-            <a:ext cx="2057400" cy="5851525"/>
+            <a:off x="8839200" y="274639"/>
+            <a:ext cx="2743200" cy="5851525"/>
           </a:xfrm>
         </p:spPr>
         <p:txBody>
@@ -570,8 +591,8 @@
         </p:nvSpPr>
         <p:spPr>
           <a:xfrm>
-            <a:off x="457200" y="274638"/>
-            <a:ext cx="6019800" cy="5851525"/>
+            <a:off x="609600" y="274639"/>
+            <a:ext cx="8026400" cy="5851525"/>
           </a:xfrm>
         </p:spPr>
         <p:txBody>
@@ -632,7 +653,7 @@
           <a:p>
             <a:fld id="{94FCA51A-FC6C-4B06-8AEA-4826E3E9CB8A}" type="datetimeFigureOut">
               <a:rPr lang="zh-TW" altLang="en-US" smtClean="0"/>
-              <a:t>2017/7/16</a:t>
+              <a:t>2020/12/30</a:t>
             </a:fld>
             <a:endParaRPr lang="zh-TW" altLang="en-US"/>
           </a:p>
@@ -797,7 +818,7 @@
           <a:p>
             <a:fld id="{94FCA51A-FC6C-4B06-8AEA-4826E3E9CB8A}" type="datetimeFigureOut">
               <a:rPr lang="zh-TW" altLang="en-US" smtClean="0"/>
-              <a:t>2017/7/16</a:t>
+              <a:t>2020/12/30</a:t>
             </a:fld>
             <a:endParaRPr lang="zh-TW" altLang="en-US"/>
           </a:p>
@@ -882,8 +903,8 @@
         </p:nvSpPr>
         <p:spPr>
           <a:xfrm>
-            <a:off x="722313" y="4406900"/>
-            <a:ext cx="7772400" cy="1362075"/>
+            <a:off x="963084" y="4406901"/>
+            <a:ext cx="10363200" cy="1362075"/>
           </a:xfrm>
         </p:spPr>
         <p:txBody>
@@ -914,8 +935,8 @@
         </p:nvSpPr>
         <p:spPr>
           <a:xfrm>
-            <a:off x="722313" y="2906713"/>
-            <a:ext cx="7772400" cy="1500187"/>
+            <a:off x="963084" y="2906713"/>
+            <a:ext cx="10363200" cy="1500187"/>
           </a:xfrm>
         </p:spPr>
         <p:txBody>
@@ -1038,7 +1059,7 @@
           <a:p>
             <a:fld id="{94FCA51A-FC6C-4B06-8AEA-4826E3E9CB8A}" type="datetimeFigureOut">
               <a:rPr lang="zh-TW" altLang="en-US" smtClean="0"/>
-              <a:t>2017/7/16</a:t>
+              <a:t>2020/12/30</a:t>
             </a:fld>
             <a:endParaRPr lang="zh-TW" altLang="en-US"/>
           </a:p>
@@ -1146,8 +1167,8 @@
         </p:nvSpPr>
         <p:spPr>
           <a:xfrm>
-            <a:off x="457200" y="1600200"/>
-            <a:ext cx="4038600" cy="4525963"/>
+            <a:off x="609600" y="1600201"/>
+            <a:ext cx="5384800" cy="4525963"/>
           </a:xfrm>
         </p:spPr>
         <p:txBody>
@@ -1231,8 +1252,8 @@
         </p:nvSpPr>
         <p:spPr>
           <a:xfrm>
-            <a:off x="4648200" y="1600200"/>
-            <a:ext cx="4038600" cy="4525963"/>
+            <a:off x="6197600" y="1600201"/>
+            <a:ext cx="5384800" cy="4525963"/>
           </a:xfrm>
         </p:spPr>
         <p:txBody>
@@ -1321,7 +1342,7 @@
           <a:p>
             <a:fld id="{94FCA51A-FC6C-4B06-8AEA-4826E3E9CB8A}" type="datetimeFigureOut">
               <a:rPr lang="zh-TW" altLang="en-US" smtClean="0"/>
-              <a:t>2017/7/16</a:t>
+              <a:t>2020/12/30</a:t>
             </a:fld>
             <a:endParaRPr lang="zh-TW" altLang="en-US"/>
           </a:p>
@@ -1433,8 +1454,8 @@
         </p:nvSpPr>
         <p:spPr>
           <a:xfrm>
-            <a:off x="457200" y="1535113"/>
-            <a:ext cx="4040188" cy="639762"/>
+            <a:off x="609600" y="1535113"/>
+            <a:ext cx="5386917" cy="639762"/>
           </a:xfrm>
         </p:spPr>
         <p:txBody>
@@ -1498,8 +1519,8 @@
         </p:nvSpPr>
         <p:spPr>
           <a:xfrm>
-            <a:off x="457200" y="2174875"/>
-            <a:ext cx="4040188" cy="3951288"/>
+            <a:off x="609600" y="2174875"/>
+            <a:ext cx="5386917" cy="3951288"/>
           </a:xfrm>
         </p:spPr>
         <p:txBody>
@@ -1583,8 +1604,8 @@
         </p:nvSpPr>
         <p:spPr>
           <a:xfrm>
-            <a:off x="4645025" y="1535113"/>
-            <a:ext cx="4041775" cy="639762"/>
+            <a:off x="6193368" y="1535113"/>
+            <a:ext cx="5389033" cy="639762"/>
           </a:xfrm>
         </p:spPr>
         <p:txBody>
@@ -1648,8 +1669,8 @@
         </p:nvSpPr>
         <p:spPr>
           <a:xfrm>
-            <a:off x="4645025" y="2174875"/>
-            <a:ext cx="4041775" cy="3951288"/>
+            <a:off x="6193368" y="2174875"/>
+            <a:ext cx="5389033" cy="3951288"/>
           </a:xfrm>
         </p:spPr>
         <p:txBody>
@@ -1738,7 +1759,7 @@
           <a:p>
             <a:fld id="{94FCA51A-FC6C-4B06-8AEA-4826E3E9CB8A}" type="datetimeFigureOut">
               <a:rPr lang="zh-TW" altLang="en-US" smtClean="0"/>
-              <a:t>2017/7/16</a:t>
+              <a:t>2020/12/30</a:t>
             </a:fld>
             <a:endParaRPr lang="zh-TW" altLang="en-US"/>
           </a:p>
@@ -1851,7 +1872,7 @@
           <a:p>
             <a:fld id="{94FCA51A-FC6C-4B06-8AEA-4826E3E9CB8A}" type="datetimeFigureOut">
               <a:rPr lang="zh-TW" altLang="en-US" smtClean="0"/>
-              <a:t>2017/7/16</a:t>
+              <a:t>2020/12/30</a:t>
             </a:fld>
             <a:endParaRPr lang="zh-TW" altLang="en-US"/>
           </a:p>
@@ -1941,7 +1962,7 @@
           <a:p>
             <a:fld id="{94FCA51A-FC6C-4B06-8AEA-4826E3E9CB8A}" type="datetimeFigureOut">
               <a:rPr lang="zh-TW" altLang="en-US" smtClean="0"/>
-              <a:t>2017/7/16</a:t>
+              <a:t>2020/12/30</a:t>
             </a:fld>
             <a:endParaRPr lang="zh-TW" altLang="en-US"/>
           </a:p>
@@ -2026,8 +2047,8 @@
         </p:nvSpPr>
         <p:spPr>
           <a:xfrm>
-            <a:off x="457200" y="273050"/>
-            <a:ext cx="3008313" cy="1162050"/>
+            <a:off x="609601" y="273050"/>
+            <a:ext cx="4011084" cy="1162050"/>
           </a:xfrm>
         </p:spPr>
         <p:txBody>
@@ -2058,8 +2079,8 @@
         </p:nvSpPr>
         <p:spPr>
           <a:xfrm>
-            <a:off x="3575050" y="273050"/>
-            <a:ext cx="5111750" cy="5853113"/>
+            <a:off x="4766733" y="273051"/>
+            <a:ext cx="6815667" cy="5853113"/>
           </a:xfrm>
         </p:spPr>
         <p:txBody>
@@ -2143,8 +2164,8 @@
         </p:nvSpPr>
         <p:spPr>
           <a:xfrm>
-            <a:off x="457200" y="1435100"/>
-            <a:ext cx="3008313" cy="4691063"/>
+            <a:off x="609601" y="1435101"/>
+            <a:ext cx="4011084" cy="4691063"/>
           </a:xfrm>
         </p:spPr>
         <p:txBody>
@@ -2213,7 +2234,7 @@
           <a:p>
             <a:fld id="{94FCA51A-FC6C-4B06-8AEA-4826E3E9CB8A}" type="datetimeFigureOut">
               <a:rPr lang="zh-TW" altLang="en-US" smtClean="0"/>
-              <a:t>2017/7/16</a:t>
+              <a:t>2020/12/30</a:t>
             </a:fld>
             <a:endParaRPr lang="zh-TW" altLang="en-US"/>
           </a:p>
@@ -2298,8 +2319,8 @@
         </p:nvSpPr>
         <p:spPr>
           <a:xfrm>
-            <a:off x="1792288" y="4800600"/>
-            <a:ext cx="5486400" cy="566738"/>
+            <a:off x="2389717" y="4800600"/>
+            <a:ext cx="7315200" cy="566738"/>
           </a:xfrm>
         </p:spPr>
         <p:txBody>
@@ -2330,8 +2351,8 @@
         </p:nvSpPr>
         <p:spPr>
           <a:xfrm>
-            <a:off x="1792288" y="612775"/>
-            <a:ext cx="5486400" cy="4114800"/>
+            <a:off x="2389717" y="612775"/>
+            <a:ext cx="7315200" cy="4114800"/>
           </a:xfrm>
         </p:spPr>
         <p:txBody>
@@ -2395,8 +2416,8 @@
         </p:nvSpPr>
         <p:spPr>
           <a:xfrm>
-            <a:off x="1792288" y="5367338"/>
-            <a:ext cx="5486400" cy="804862"/>
+            <a:off x="2389717" y="5367338"/>
+            <a:ext cx="7315200" cy="804862"/>
           </a:xfrm>
         </p:spPr>
         <p:txBody>
@@ -2465,7 +2486,7 @@
           <a:p>
             <a:fld id="{94FCA51A-FC6C-4B06-8AEA-4826E3E9CB8A}" type="datetimeFigureOut">
               <a:rPr lang="zh-TW" altLang="en-US" smtClean="0"/>
-              <a:t>2017/7/16</a:t>
+              <a:t>2020/12/30</a:t>
             </a:fld>
             <a:endParaRPr lang="zh-TW" altLang="en-US"/>
           </a:p>
@@ -2560,8 +2581,8 @@
         </p:nvSpPr>
         <p:spPr>
           <a:xfrm>
-            <a:off x="457200" y="274638"/>
-            <a:ext cx="8229600" cy="1143000"/>
+            <a:off x="609600" y="274638"/>
+            <a:ext cx="10972800" cy="1143000"/>
           </a:xfrm>
           <a:prstGeom prst="rect">
             <a:avLst/>
@@ -2593,8 +2614,8 @@
         </p:nvSpPr>
         <p:spPr>
           <a:xfrm>
-            <a:off x="457200" y="1600200"/>
-            <a:ext cx="8229600" cy="4525963"/>
+            <a:off x="609600" y="1600201"/>
+            <a:ext cx="10972800" cy="4525963"/>
           </a:xfrm>
           <a:prstGeom prst="rect">
             <a:avLst/>
@@ -2655,8 +2676,8 @@
         </p:nvSpPr>
         <p:spPr>
           <a:xfrm>
-            <a:off x="457200" y="6356350"/>
-            <a:ext cx="2133600" cy="365125"/>
+            <a:off x="609600" y="6356351"/>
+            <a:ext cx="2844800" cy="365125"/>
           </a:xfrm>
           <a:prstGeom prst="rect">
             <a:avLst/>
@@ -2678,7 +2699,7 @@
           <a:p>
             <a:fld id="{94FCA51A-FC6C-4B06-8AEA-4826E3E9CB8A}" type="datetimeFigureOut">
               <a:rPr lang="zh-TW" altLang="en-US" smtClean="0"/>
-              <a:t>2017/7/16</a:t>
+              <a:t>2020/12/30</a:t>
             </a:fld>
             <a:endParaRPr lang="zh-TW" altLang="en-US"/>
           </a:p>
@@ -2696,8 +2717,8 @@
         </p:nvSpPr>
         <p:spPr>
           <a:xfrm>
-            <a:off x="3124200" y="6356350"/>
-            <a:ext cx="2895600" cy="365125"/>
+            <a:off x="4165600" y="6356351"/>
+            <a:ext cx="3860800" cy="365125"/>
           </a:xfrm>
           <a:prstGeom prst="rect">
             <a:avLst/>
@@ -2733,8 +2754,8 @@
         </p:nvSpPr>
         <p:spPr>
           <a:xfrm>
-            <a:off x="6553200" y="6356350"/>
-            <a:ext cx="2133600" cy="365125"/>
+            <a:off x="8737600" y="6356351"/>
+            <a:ext cx="2844800" cy="365125"/>
           </a:xfrm>
           <a:prstGeom prst="rect">
             <a:avLst/>
@@ -3058,45 +3079,10 @@
             <p:ph type="title"/>
           </p:nvPr>
         </p:nvSpPr>
-        <p:spPr/>
-        <p:txBody>
-          <a:bodyPr/>
-          <a:lstStyle/>
-          <a:p>
-            <a:r>
-              <a:rPr lang="zh-TW" altLang="en-US" b="1" dirty="0" smtClean="0">
-                <a:solidFill>
-                  <a:srgbClr val="000066"/>
-                </a:solidFill>
-                <a:latin typeface="微軟正黑體" pitchFamily="34" charset="-120"/>
-                <a:ea typeface="微軟正黑體" pitchFamily="34" charset="-120"/>
-              </a:rPr>
-              <a:t>展開清晨的翅膀</a:t>
-            </a:r>
-            <a:endParaRPr lang="zh-TW" altLang="en-US" dirty="0">
-              <a:solidFill>
-                <a:srgbClr val="000066"/>
-              </a:solidFill>
-              <a:latin typeface="微軟正黑體" pitchFamily="34" charset="-120"/>
-              <a:ea typeface="微軟正黑體" pitchFamily="34" charset="-120"/>
-            </a:endParaRPr>
-          </a:p>
-        </p:txBody>
-      </p:sp>
-      <p:sp>
-        <p:nvSpPr>
-          <p:cNvPr id="5" name="內容版面配置區 4"/>
-          <p:cNvSpPr>
-            <a:spLocks noGrp="1"/>
-          </p:cNvSpPr>
-          <p:nvPr>
-            <p:ph idx="1"/>
-          </p:nvPr>
-        </p:nvSpPr>
         <p:spPr>
           <a:xfrm>
-            <a:off x="0" y="1600200"/>
-            <a:ext cx="9144000" cy="4043378"/>
+            <a:off x="0" y="2857513"/>
+            <a:ext cx="12192000" cy="1143000"/>
           </a:xfrm>
         </p:spPr>
         <p:txBody>
@@ -3105,317 +3091,246 @@
           </a:bodyPr>
           <a:lstStyle/>
           <a:p>
-            <a:pPr algn="ctr">
-              <a:buNone/>
-            </a:pPr>
-            <a:r>
-              <a:rPr lang="zh-TW" altLang="en-US" sz="5400" b="1" dirty="0">
-                <a:solidFill>
-                  <a:srgbClr val="000066"/>
-                </a:solidFill>
+            <a:r>
+              <a:rPr lang="zh-TW" altLang="en-US" sz="7200" b="1" i="1" dirty="0" smtClean="0">
+                <a:solidFill>
+                  <a:srgbClr val="660033"/>
+                </a:solidFill>
+                <a:effectLst>
+                  <a:outerShdw blurRad="38100" dist="38100" dir="2700000" algn="tl">
+                    <a:srgbClr val="000000">
+                      <a:alpha val="43137"/>
+                    </a:srgbClr>
+                  </a:outerShdw>
+                </a:effectLst>
                 <a:latin typeface="微軟正黑體" pitchFamily="34" charset="-120"/>
                 <a:ea typeface="微軟正黑體" pitchFamily="34" charset="-120"/>
               </a:rPr>
-              <a:t>主</a:t>
-            </a:r>
-            <a:r>
-              <a:rPr lang="zh-TW" altLang="en-US" sz="5400" b="1" dirty="0" smtClean="0">
-                <a:solidFill>
-                  <a:srgbClr val="000066"/>
-                </a:solidFill>
+              <a:t>展</a:t>
+            </a:r>
+            <a:r>
+              <a:rPr lang="zh-TW" altLang="en-US" sz="7200" b="1" i="1" dirty="0">
+                <a:solidFill>
+                  <a:srgbClr val="660033"/>
+                </a:solidFill>
+                <a:effectLst>
+                  <a:outerShdw blurRad="38100" dist="38100" dir="2700000" algn="tl">
+                    <a:srgbClr val="000000">
+                      <a:alpha val="43137"/>
+                    </a:srgbClr>
+                  </a:outerShdw>
+                </a:effectLst>
                 <a:latin typeface="微軟正黑體" pitchFamily="34" charset="-120"/>
                 <a:ea typeface="微軟正黑體" pitchFamily="34" charset="-120"/>
               </a:rPr>
-              <a:t>耶和華  你</a:t>
-            </a:r>
-            <a:r>
-              <a:rPr lang="zh-TW" altLang="en-US" sz="5400" b="1" dirty="0">
-                <a:solidFill>
-                  <a:srgbClr val="000066"/>
-                </a:solidFill>
-                <a:latin typeface="微軟正黑體" pitchFamily="34" charset="-120"/>
-                <a:ea typeface="微軟正黑體" pitchFamily="34" charset="-120"/>
-              </a:rPr>
-              <a:t>已經鑒察了</a:t>
-            </a:r>
-            <a:r>
-              <a:rPr lang="zh-TW" altLang="en-US" sz="5400" b="1" dirty="0" smtClean="0">
-                <a:solidFill>
-                  <a:srgbClr val="000066"/>
-                </a:solidFill>
-                <a:latin typeface="微軟正黑體" pitchFamily="34" charset="-120"/>
-                <a:ea typeface="微軟正黑體" pitchFamily="34" charset="-120"/>
-              </a:rPr>
-              <a:t>我</a:t>
-            </a:r>
-            <a:endParaRPr lang="en-US" altLang="zh-TW" sz="5400" b="1" dirty="0" smtClean="0">
-              <a:solidFill>
-                <a:srgbClr val="000066"/>
-              </a:solidFill>
-              <a:latin typeface="微軟正黑體" pitchFamily="34" charset="-120"/>
-              <a:ea typeface="微軟正黑體" pitchFamily="34" charset="-120"/>
-            </a:endParaRPr>
-          </a:p>
-          <a:p>
-            <a:pPr algn="ctr">
-              <a:buNone/>
-            </a:pPr>
-            <a:r>
-              <a:rPr lang="zh-TW" altLang="en-US" sz="5400" b="1" dirty="0" smtClean="0">
-                <a:solidFill>
-                  <a:srgbClr val="000066"/>
-                </a:solidFill>
-                <a:latin typeface="微軟正黑體" pitchFamily="34" charset="-120"/>
-                <a:ea typeface="微軟正黑體" pitchFamily="34" charset="-120"/>
-              </a:rPr>
-              <a:t>我坐下  我起來  你</a:t>
-            </a:r>
-            <a:r>
-              <a:rPr lang="zh-TW" altLang="en-US" sz="5400" b="1" dirty="0">
-                <a:solidFill>
-                  <a:srgbClr val="000066"/>
-                </a:solidFill>
-                <a:latin typeface="微軟正黑體" pitchFamily="34" charset="-120"/>
-                <a:ea typeface="微軟正黑體" pitchFamily="34" charset="-120"/>
-              </a:rPr>
-              <a:t>都已</a:t>
-            </a:r>
-            <a:r>
-              <a:rPr lang="zh-TW" altLang="en-US" sz="5400" b="1" dirty="0" smtClean="0">
-                <a:solidFill>
-                  <a:srgbClr val="000066"/>
-                </a:solidFill>
-                <a:latin typeface="微軟正黑體" pitchFamily="34" charset="-120"/>
-                <a:ea typeface="微軟正黑體" pitchFamily="34" charset="-120"/>
-              </a:rPr>
-              <a:t>曉得</a:t>
-            </a:r>
-            <a:endParaRPr lang="en-US" altLang="zh-TW" sz="5400" b="1" dirty="0" smtClean="0">
-              <a:solidFill>
-                <a:srgbClr val="000066"/>
-              </a:solidFill>
-              <a:latin typeface="微軟正黑體" pitchFamily="34" charset="-120"/>
-              <a:ea typeface="微軟正黑體" pitchFamily="34" charset="-120"/>
-            </a:endParaRPr>
-          </a:p>
-          <a:p>
-            <a:pPr algn="ctr">
-              <a:buNone/>
-            </a:pPr>
-            <a:r>
-              <a:rPr lang="zh-TW" altLang="en-US" sz="5400" b="1" dirty="0" smtClean="0">
-                <a:solidFill>
-                  <a:srgbClr val="000066"/>
-                </a:solidFill>
-                <a:latin typeface="微軟正黑體" pitchFamily="34" charset="-120"/>
-                <a:ea typeface="微軟正黑體" pitchFamily="34" charset="-120"/>
-              </a:rPr>
-              <a:t>我</a:t>
-            </a:r>
-            <a:r>
-              <a:rPr lang="zh-TW" altLang="en-US" sz="5400" b="1" dirty="0">
-                <a:solidFill>
-                  <a:srgbClr val="000066"/>
-                </a:solidFill>
-                <a:latin typeface="微軟正黑體" pitchFamily="34" charset="-120"/>
-                <a:ea typeface="微軟正黑體" pitchFamily="34" charset="-120"/>
-              </a:rPr>
-              <a:t>行</a:t>
-            </a:r>
-            <a:r>
-              <a:rPr lang="zh-TW" altLang="en-US" sz="5400" b="1" dirty="0" smtClean="0">
-                <a:solidFill>
-                  <a:srgbClr val="000066"/>
-                </a:solidFill>
-                <a:latin typeface="微軟正黑體" pitchFamily="34" charset="-120"/>
-                <a:ea typeface="微軟正黑體" pitchFamily="34" charset="-120"/>
-              </a:rPr>
-              <a:t>路  我</a:t>
-            </a:r>
-            <a:r>
-              <a:rPr lang="zh-TW" altLang="en-US" sz="5400" b="1" dirty="0">
-                <a:solidFill>
-                  <a:srgbClr val="000066"/>
-                </a:solidFill>
-                <a:latin typeface="微軟正黑體" pitchFamily="34" charset="-120"/>
-                <a:ea typeface="微軟正黑體" pitchFamily="34" charset="-120"/>
-              </a:rPr>
-              <a:t>躺</a:t>
-            </a:r>
-            <a:r>
-              <a:rPr lang="zh-TW" altLang="en-US" sz="5400" b="1" dirty="0" smtClean="0">
-                <a:solidFill>
-                  <a:srgbClr val="000066"/>
-                </a:solidFill>
-                <a:latin typeface="微軟正黑體" pitchFamily="34" charset="-120"/>
-                <a:ea typeface="微軟正黑體" pitchFamily="34" charset="-120"/>
-              </a:rPr>
-              <a:t>臥  你</a:t>
-            </a:r>
-            <a:r>
-              <a:rPr lang="zh-TW" altLang="en-US" sz="5400" b="1" dirty="0">
-                <a:solidFill>
-                  <a:srgbClr val="000066"/>
-                </a:solidFill>
-                <a:latin typeface="微軟正黑體" pitchFamily="34" charset="-120"/>
-                <a:ea typeface="微軟正黑體" pitchFamily="34" charset="-120"/>
-              </a:rPr>
-              <a:t>都細</a:t>
-            </a:r>
-            <a:r>
-              <a:rPr lang="zh-TW" altLang="en-US" sz="5400" b="1" dirty="0" smtClean="0">
-                <a:solidFill>
-                  <a:srgbClr val="000066"/>
-                </a:solidFill>
-                <a:latin typeface="微軟正黑體" pitchFamily="34" charset="-120"/>
-                <a:ea typeface="微軟正黑體" pitchFamily="34" charset="-120"/>
-              </a:rPr>
-              <a:t>察</a:t>
-            </a:r>
-            <a:endParaRPr lang="en-US" altLang="zh-TW" sz="5400" b="1" dirty="0" smtClean="0">
-              <a:solidFill>
-                <a:srgbClr val="000066"/>
-              </a:solidFill>
-              <a:latin typeface="微軟正黑體" pitchFamily="34" charset="-120"/>
-              <a:ea typeface="微軟正黑體" pitchFamily="34" charset="-120"/>
-            </a:endParaRPr>
-          </a:p>
-          <a:p>
-            <a:pPr algn="ctr">
-              <a:buNone/>
-            </a:pPr>
-            <a:r>
-              <a:rPr lang="zh-TW" altLang="en-US" sz="5400" b="1" dirty="0" smtClean="0">
-                <a:solidFill>
-                  <a:srgbClr val="000066"/>
-                </a:solidFill>
-                <a:latin typeface="微軟正黑體" pitchFamily="34" charset="-120"/>
-                <a:ea typeface="微軟正黑體" pitchFamily="34" charset="-120"/>
-              </a:rPr>
-              <a:t>你</a:t>
-            </a:r>
-            <a:r>
-              <a:rPr lang="zh-TW" altLang="en-US" sz="5400" b="1" dirty="0">
-                <a:solidFill>
-                  <a:srgbClr val="000066"/>
-                </a:solidFill>
-                <a:latin typeface="微軟正黑體" pitchFamily="34" charset="-120"/>
-                <a:ea typeface="微軟正黑體" pitchFamily="34" charset="-120"/>
-              </a:rPr>
-              <a:t>也深知我一切所</a:t>
-            </a:r>
-            <a:r>
-              <a:rPr lang="zh-TW" altLang="en-US" sz="5400" b="1" dirty="0" smtClean="0">
-                <a:solidFill>
-                  <a:srgbClr val="000066"/>
-                </a:solidFill>
-                <a:latin typeface="微軟正黑體" pitchFamily="34" charset="-120"/>
-                <a:ea typeface="微軟正黑體" pitchFamily="34" charset="-120"/>
-              </a:rPr>
-              <a:t>行</a:t>
-            </a:r>
-            <a:endParaRPr lang="en-US" altLang="zh-TW" sz="5400" b="1" dirty="0" smtClean="0">
-              <a:solidFill>
-                <a:srgbClr val="000066"/>
-              </a:solidFill>
-              <a:latin typeface="微軟正黑體" pitchFamily="34" charset="-120"/>
-              <a:ea typeface="微軟正黑體" pitchFamily="34" charset="-120"/>
-            </a:endParaRPr>
-          </a:p>
-        </p:txBody>
-      </p:sp>
-      <p:sp>
-        <p:nvSpPr>
-          <p:cNvPr id="7" name="標題 3"/>
-          <p:cNvSpPr txBox="1">
-            <a:spLocks/>
-          </p:cNvSpPr>
-          <p:nvPr/>
+              <a:t>開清晨的翅膀</a:t>
+            </a:r>
+          </a:p>
+        </p:txBody>
+      </p:sp>
+    </p:spTree>
+    <p:extLst>
+      <p:ext uri="{BB962C8B-B14F-4D97-AF65-F5344CB8AC3E}">
+        <p14:creationId xmlns:p14="http://schemas.microsoft.com/office/powerpoint/2010/main" val="3981384749"/>
+      </p:ext>
+    </p:extLst>
+  </p:cSld>
+  <p:clrMapOvr>
+    <a:masterClrMapping/>
+  </p:clrMapOvr>
+</p:sld>
+</file>
+
+<file path=ppt/slides/slide10.xml><?xml version="1.0" encoding="utf-8"?>
+<p:sld xmlns:a="http://schemas.openxmlformats.org/drawingml/2006/main" xmlns:r="http://schemas.openxmlformats.org/officeDocument/2006/relationships" xmlns:p="http://schemas.openxmlformats.org/presentationml/2006/main">
+  <p:cSld>
+    <p:spTree>
+      <p:nvGrpSpPr>
+        <p:cNvPr id="1" name=""/>
+        <p:cNvGrpSpPr/>
+        <p:nvPr/>
+      </p:nvGrpSpPr>
+      <p:grpSpPr>
+        <a:xfrm>
+          <a:off x="0" y="0"/>
+          <a:ext cx="0" cy="0"/>
+          <a:chOff x="0" y="0"/>
+          <a:chExt cx="0" cy="0"/>
+        </a:xfrm>
+      </p:grpSpPr>
+      <p:sp>
+        <p:nvSpPr>
+          <p:cNvPr id="5" name="內容版面配置區 4"/>
+          <p:cNvSpPr>
+            <a:spLocks noGrp="1"/>
+          </p:cNvSpPr>
+          <p:nvPr>
+            <p:ph idx="1"/>
+          </p:nvPr>
         </p:nvSpPr>
         <p:spPr>
           <a:xfrm>
-            <a:off x="0" y="6429396"/>
-            <a:ext cx="1857356" cy="428604"/>
+            <a:off x="0" y="2084851"/>
+            <a:ext cx="12192000" cy="2404863"/>
           </a:xfrm>
-          <a:prstGeom prst="rect">
-            <a:avLst/>
-          </a:prstGeom>
         </p:spPr>
         <p:txBody>
-          <a:bodyPr vert="horz" lIns="91440" tIns="45720" rIns="91440" bIns="45720" rtlCol="0" anchor="ctr">
-            <a:normAutofit/>
+          <a:bodyPr anchor="ctr">
+            <a:noAutofit/>
           </a:bodyPr>
           <a:lstStyle/>
           <a:p>
-            <a:pPr marL="0" marR="0" lvl="0" indent="0" algn="ctr" defTabSz="914400" rtl="0" eaLnBrk="1" fontAlgn="auto" latinLnBrk="0" hangingPunct="1">
-              <a:lnSpc>
-                <a:spcPct val="100000"/>
-              </a:lnSpc>
-              <a:spcBef>
-                <a:spcPct val="0"/>
-              </a:spcBef>
-              <a:spcAft>
-                <a:spcPts val="0"/>
-              </a:spcAft>
-              <a:buClrTx/>
-              <a:buSzTx/>
-              <a:buFontTx/>
-              <a:buNone/>
-              <a:tabLst/>
-              <a:defRPr/>
+            <a:pPr algn="ctr">
+              <a:buNone/>
             </a:pPr>
             <a:r>
-              <a:rPr kumimoji="0" lang="zh-TW" altLang="en-US" sz="1500" b="1" i="0" u="none" strike="noStrike" kern="1200" cap="none" spc="0" normalizeH="0" baseline="0" noProof="0" dirty="0" smtClean="0">
-                <a:ln>
-                  <a:noFill/>
-                </a:ln>
-                <a:solidFill>
-                  <a:srgbClr val="000066"/>
-                </a:solidFill>
-                <a:effectLst/>
-                <a:uLnTx/>
-                <a:uFillTx/>
-                <a:latin typeface="微軟正黑體" pitchFamily="34" charset="-120"/>
-                <a:ea typeface="微軟正黑體" pitchFamily="34" charset="-120"/>
-                <a:cs typeface="+mj-cs"/>
-              </a:rPr>
-              <a:t>展開清晨的翅膀</a:t>
-            </a:r>
-            <a:r>
-              <a:rPr kumimoji="0" lang="en-US" altLang="zh-TW" sz="1500" b="1" i="0" u="none" strike="noStrike" kern="1200" cap="none" spc="0" normalizeH="0" baseline="0" noProof="0" dirty="0" smtClean="0">
-                <a:ln>
-                  <a:noFill/>
-                </a:ln>
-                <a:solidFill>
-                  <a:srgbClr val="000066"/>
-                </a:solidFill>
-                <a:effectLst/>
-                <a:uLnTx/>
-                <a:uFillTx/>
-                <a:latin typeface="微軟正黑體" pitchFamily="34" charset="-120"/>
-                <a:ea typeface="微軟正黑體" pitchFamily="34" charset="-120"/>
-                <a:cs typeface="+mj-cs"/>
-              </a:rPr>
-              <a:t>1/5</a:t>
-            </a:r>
-            <a:endParaRPr kumimoji="0" lang="zh-TW" altLang="en-US" sz="1500" b="0" i="0" u="none" strike="noStrike" kern="1200" cap="none" spc="0" normalizeH="0" baseline="0" noProof="0" dirty="0">
-              <a:ln>
-                <a:noFill/>
-              </a:ln>
+              <a:rPr lang="zh-TW" altLang="en-US" sz="6400" b="1" dirty="0">
+                <a:solidFill>
+                  <a:srgbClr val="660033"/>
+                </a:solidFill>
+                <a:latin typeface="Microsoft JhengHei" panose="020B0604030504040204" pitchFamily="34" charset="-120"/>
+                <a:ea typeface="Microsoft JhengHei" panose="020B0604030504040204" pitchFamily="34" charset="-120"/>
+              </a:rPr>
+              <a:t>我若展開清晨的翅</a:t>
+            </a:r>
+            <a:r>
+              <a:rPr lang="zh-TW" altLang="en-US" sz="6400" b="1" dirty="0">
+                <a:solidFill>
+                  <a:srgbClr val="660033"/>
+                </a:solidFill>
+                <a:latin typeface="Microsoft JhengHei" panose="020B0604030504040204" pitchFamily="34" charset="-120"/>
+                <a:ea typeface="Microsoft JhengHei" panose="020B0604030504040204" pitchFamily="34" charset="-120"/>
+              </a:rPr>
+              <a:t>膀</a:t>
+            </a:r>
+            <a:r>
+              <a:rPr lang="en-US" altLang="zh-TW" sz="6400" b="1" dirty="0">
+                <a:solidFill>
+                  <a:srgbClr val="660033"/>
+                </a:solidFill>
+                <a:latin typeface="Microsoft JhengHei" panose="020B0604030504040204" pitchFamily="34" charset="-120"/>
+                <a:ea typeface="Microsoft JhengHei" panose="020B0604030504040204" pitchFamily="34" charset="-120"/>
+              </a:rPr>
+              <a:t>  </a:t>
+            </a:r>
+            <a:r>
+              <a:rPr lang="zh-TW" altLang="en-US" sz="6400" b="1" dirty="0">
+                <a:solidFill>
+                  <a:srgbClr val="660033"/>
+                </a:solidFill>
+                <a:latin typeface="Microsoft JhengHei" panose="020B0604030504040204" pitchFamily="34" charset="-120"/>
+                <a:ea typeface="Microsoft JhengHei" panose="020B0604030504040204" pitchFamily="34" charset="-120"/>
+              </a:rPr>
+              <a:t>飛</a:t>
+            </a:r>
+            <a:r>
+              <a:rPr lang="zh-TW" altLang="en-US" sz="6400" b="1" dirty="0">
+                <a:solidFill>
+                  <a:srgbClr val="660033"/>
+                </a:solidFill>
+                <a:latin typeface="Microsoft JhengHei" panose="020B0604030504040204" pitchFamily="34" charset="-120"/>
+                <a:ea typeface="Microsoft JhengHei" panose="020B0604030504040204" pitchFamily="34" charset="-120"/>
+              </a:rPr>
+              <a:t>到地</a:t>
+            </a:r>
+            <a:r>
+              <a:rPr lang="zh-TW" altLang="en-US" sz="6400" b="1" dirty="0">
+                <a:solidFill>
+                  <a:srgbClr val="660033"/>
+                </a:solidFill>
+                <a:latin typeface="Microsoft JhengHei" panose="020B0604030504040204" pitchFamily="34" charset="-120"/>
+                <a:ea typeface="Microsoft JhengHei" panose="020B0604030504040204" pitchFamily="34" charset="-120"/>
+              </a:rPr>
+              <a:t>極</a:t>
+            </a:r>
+            <a:endParaRPr lang="en-US" altLang="zh-TW" sz="6400" b="1" dirty="0">
               <a:solidFill>
-                <a:srgbClr val="000066"/>
+                <a:srgbClr val="660033"/>
               </a:solidFill>
-              <a:effectLst/>
-              <a:uLnTx/>
-              <a:uFillTx/>
-              <a:latin typeface="微軟正黑體" pitchFamily="34" charset="-120"/>
-              <a:ea typeface="微軟正黑體" pitchFamily="34" charset="-120"/>
-              <a:cs typeface="+mj-cs"/>
+              <a:latin typeface="Microsoft JhengHei" panose="020B0604030504040204" pitchFamily="34" charset="-120"/>
+              <a:ea typeface="Microsoft JhengHei" panose="020B0604030504040204" pitchFamily="34" charset="-120"/>
             </a:endParaRPr>
           </a:p>
+          <a:p>
+            <a:pPr algn="ctr">
+              <a:buNone/>
+            </a:pPr>
+            <a:r>
+              <a:rPr lang="zh-TW" altLang="en-US" sz="6400" b="1" dirty="0">
+                <a:solidFill>
+                  <a:srgbClr val="660033"/>
+                </a:solidFill>
+                <a:latin typeface="Microsoft JhengHei" panose="020B0604030504040204" pitchFamily="34" charset="-120"/>
+                <a:ea typeface="Microsoft JhengHei" panose="020B0604030504040204" pitchFamily="34" charset="-120"/>
+              </a:rPr>
+              <a:t>就在那</a:t>
+            </a:r>
+            <a:r>
+              <a:rPr lang="zh-TW" altLang="en-US" sz="6400" b="1" dirty="0" smtClean="0">
+                <a:solidFill>
+                  <a:srgbClr val="660033"/>
+                </a:solidFill>
+                <a:latin typeface="Microsoft JhengHei" panose="020B0604030504040204" pitchFamily="34" charset="-120"/>
+                <a:ea typeface="Microsoft JhengHei" panose="020B0604030504040204" pitchFamily="34" charset="-120"/>
+              </a:rPr>
+              <a:t>裡  </a:t>
+            </a:r>
+            <a:r>
+              <a:rPr lang="zh-CN" altLang="en-US" sz="6400" b="1" dirty="0" smtClean="0">
+                <a:solidFill>
+                  <a:srgbClr val="660033"/>
+                </a:solidFill>
+                <a:latin typeface="Microsoft JhengHei" panose="020B0604030504040204" pitchFamily="34" charset="-120"/>
+                <a:ea typeface="Microsoft JhengHei" panose="020B0604030504040204" pitchFamily="34" charset="-120"/>
+              </a:rPr>
+              <a:t>袮</a:t>
+            </a:r>
+            <a:r>
+              <a:rPr lang="zh-TW" altLang="en-US" sz="6400" b="1" dirty="0" smtClean="0">
+                <a:solidFill>
+                  <a:srgbClr val="660033"/>
+                </a:solidFill>
+                <a:latin typeface="Microsoft JhengHei" panose="020B0604030504040204" pitchFamily="34" charset="-120"/>
+                <a:ea typeface="Microsoft JhengHei" panose="020B0604030504040204" pitchFamily="34" charset="-120"/>
+              </a:rPr>
+              <a:t>的</a:t>
+            </a:r>
+            <a:r>
+              <a:rPr lang="zh-TW" altLang="en-US" sz="6400" b="1" dirty="0">
+                <a:solidFill>
+                  <a:srgbClr val="660033"/>
+                </a:solidFill>
+                <a:latin typeface="Microsoft JhengHei" panose="020B0604030504040204" pitchFamily="34" charset="-120"/>
+                <a:ea typeface="Microsoft JhengHei" panose="020B0604030504040204" pitchFamily="34" charset="-120"/>
+              </a:rPr>
+              <a:t>雙手也必引導</a:t>
+            </a:r>
+            <a:r>
+              <a:rPr lang="zh-TW" altLang="en-US" sz="6400" b="1" dirty="0" smtClean="0">
+                <a:solidFill>
+                  <a:srgbClr val="660033"/>
+                </a:solidFill>
+                <a:latin typeface="Microsoft JhengHei" panose="020B0604030504040204" pitchFamily="34" charset="-120"/>
+                <a:ea typeface="Microsoft JhengHei" panose="020B0604030504040204" pitchFamily="34" charset="-120"/>
+              </a:rPr>
+              <a:t>我</a:t>
+            </a:r>
+            <a:endParaRPr lang="en-US" altLang="zh-TW" sz="6400" b="1" dirty="0">
+              <a:solidFill>
+                <a:srgbClr val="660033"/>
+              </a:solidFill>
+              <a:latin typeface="Microsoft JhengHei" panose="020B0604030504040204" pitchFamily="34" charset="-120"/>
+              <a:ea typeface="Microsoft JhengHei" panose="020B0604030504040204" pitchFamily="34" charset="-120"/>
+            </a:endParaRPr>
+          </a:p>
         </p:txBody>
       </p:sp>
     </p:spTree>
+    <p:extLst>
+      <p:ext uri="{BB962C8B-B14F-4D97-AF65-F5344CB8AC3E}">
+        <p14:creationId xmlns:p14="http://schemas.microsoft.com/office/powerpoint/2010/main" val="1805946745"/>
+      </p:ext>
+    </p:extLst>
   </p:cSld>
   <p:clrMapOvr>
     <a:masterClrMapping/>
@@ -3442,41 +3357,6 @@
       </p:grpSpPr>
       <p:sp>
         <p:nvSpPr>
-          <p:cNvPr id="4" name="標題 3"/>
-          <p:cNvSpPr>
-            <a:spLocks noGrp="1"/>
-          </p:cNvSpPr>
-          <p:nvPr>
-            <p:ph type="title"/>
-          </p:nvPr>
-        </p:nvSpPr>
-        <p:spPr/>
-        <p:txBody>
-          <a:bodyPr/>
-          <a:lstStyle/>
-          <a:p>
-            <a:r>
-              <a:rPr lang="zh-TW" altLang="en-US" b="1" dirty="0" smtClean="0">
-                <a:solidFill>
-                  <a:srgbClr val="000066"/>
-                </a:solidFill>
-                <a:latin typeface="微軟正黑體" pitchFamily="34" charset="-120"/>
-                <a:ea typeface="微軟正黑體" pitchFamily="34" charset="-120"/>
-              </a:rPr>
-              <a:t>展開清晨的翅膀</a:t>
-            </a:r>
-            <a:endParaRPr lang="zh-TW" altLang="en-US" dirty="0">
-              <a:solidFill>
-                <a:srgbClr val="000066"/>
-              </a:solidFill>
-              <a:latin typeface="微軟正黑體" pitchFamily="34" charset="-120"/>
-              <a:ea typeface="微軟正黑體" pitchFamily="34" charset="-120"/>
-            </a:endParaRPr>
-          </a:p>
-        </p:txBody>
-      </p:sp>
-      <p:sp>
-        <p:nvSpPr>
           <p:cNvPr id="5" name="內容版面配置區 4"/>
           <p:cNvSpPr>
             <a:spLocks noGrp="1"/>
@@ -3487,12 +3367,12 @@
         </p:nvSpPr>
         <p:spPr>
           <a:xfrm>
-            <a:off x="0" y="1600200"/>
-            <a:ext cx="9144000" cy="4043378"/>
+            <a:off x="0" y="2084851"/>
+            <a:ext cx="12192000" cy="2404863"/>
           </a:xfrm>
         </p:spPr>
         <p:txBody>
-          <a:bodyPr>
+          <a:bodyPr anchor="ctr">
             <a:noAutofit/>
           </a:bodyPr>
           <a:lstStyle/>
@@ -3501,31 +3381,61 @@
               <a:buNone/>
             </a:pPr>
             <a:r>
-              <a:rPr lang="zh-TW" altLang="en-US" sz="5400" b="1" dirty="0" smtClean="0">
-                <a:solidFill>
-                  <a:srgbClr val="000066"/>
-                </a:solidFill>
-                <a:latin typeface="微軟正黑體" pitchFamily="34" charset="-120"/>
-                <a:ea typeface="微軟正黑體" pitchFamily="34" charset="-120"/>
-              </a:rPr>
-              <a:t>我舌頭上</a:t>
-            </a:r>
-            <a:r>
-              <a:rPr lang="zh-TW" altLang="en-US" sz="5400" b="1" dirty="0" smtClean="0">
-                <a:solidFill>
-                  <a:srgbClr val="000066"/>
-                </a:solidFill>
-                <a:latin typeface="微軟正黑體" pitchFamily="34" charset="-120"/>
-                <a:ea typeface="微軟正黑體" pitchFamily="34" charset="-120"/>
-              </a:rPr>
-              <a:t>的話</a:t>
-            </a:r>
-            <a:endParaRPr lang="en-US" altLang="zh-TW" sz="5400" b="1" dirty="0" smtClean="0">
+              <a:rPr lang="zh-TW" altLang="en-US" sz="6400" b="1" dirty="0" smtClean="0">
+                <a:solidFill>
+                  <a:srgbClr val="660033"/>
+                </a:solidFill>
+                <a:latin typeface="Microsoft JhengHei" panose="020B0604030504040204" pitchFamily="34" charset="-120"/>
+                <a:ea typeface="Microsoft JhengHei" panose="020B0604030504040204" pitchFamily="34" charset="-120"/>
+              </a:rPr>
+              <a:t>主</a:t>
+            </a:r>
+            <a:r>
+              <a:rPr lang="zh-TW" altLang="en-US" sz="6400" b="1" dirty="0">
+                <a:solidFill>
+                  <a:srgbClr val="660033"/>
+                </a:solidFill>
+                <a:latin typeface="Microsoft JhengHei" panose="020B0604030504040204" pitchFamily="34" charset="-120"/>
+                <a:ea typeface="Microsoft JhengHei" panose="020B0604030504040204" pitchFamily="34" charset="-120"/>
+              </a:rPr>
+              <a:t>耶和華  </a:t>
+            </a:r>
+            <a:r>
+              <a:rPr lang="zh-CN" altLang="en-US" sz="6400" b="1" dirty="0" smtClean="0">
+                <a:solidFill>
+                  <a:srgbClr val="660033"/>
+                </a:solidFill>
+                <a:latin typeface="Microsoft JhengHei" panose="020B0604030504040204" pitchFamily="34" charset="-120"/>
+                <a:ea typeface="Microsoft JhengHei" panose="020B0604030504040204" pitchFamily="34" charset="-120"/>
+              </a:rPr>
+              <a:t>袮</a:t>
+            </a:r>
+            <a:r>
+              <a:rPr lang="zh-TW" altLang="en-US" sz="6400" b="1" dirty="0" smtClean="0">
+                <a:solidFill>
+                  <a:srgbClr val="660033"/>
+                </a:solidFill>
+                <a:latin typeface="Microsoft JhengHei" panose="020B0604030504040204" pitchFamily="34" charset="-120"/>
+                <a:ea typeface="Microsoft JhengHei" panose="020B0604030504040204" pitchFamily="34" charset="-120"/>
+              </a:rPr>
+              <a:t>已</a:t>
+            </a:r>
+            <a:r>
+              <a:rPr lang="zh-TW" altLang="en-US" sz="6400" b="1" dirty="0">
+                <a:solidFill>
+                  <a:srgbClr val="660033"/>
+                </a:solidFill>
+                <a:latin typeface="Microsoft JhengHei" panose="020B0604030504040204" pitchFamily="34" charset="-120"/>
+                <a:ea typeface="Microsoft JhengHei" panose="020B0604030504040204" pitchFamily="34" charset="-120"/>
+              </a:rPr>
+              <a:t>經鑒察了我</a:t>
+            </a:r>
+            <a:endParaRPr lang="en-US" altLang="zh-TW" sz="6400" b="1" dirty="0">
               <a:solidFill>
-                <a:srgbClr val="000066"/>
+                <a:srgbClr val="660033"/>
               </a:solidFill>
-              <a:latin typeface="微軟正黑體" pitchFamily="34" charset="-120"/>
-              <a:ea typeface="微軟正黑體" pitchFamily="34" charset="-120"/>
+              <a:latin typeface="Microsoft JhengHei" panose="020B0604030504040204" pitchFamily="34" charset="-120"/>
+              <a:ea typeface="Microsoft JhengHei" panose="020B0604030504040204" pitchFamily="34" charset="-120"/>
             </a:endParaRPr>
           </a:p>
           <a:p>
@@ -3533,221 +3443,71 @@
               <a:buNone/>
             </a:pPr>
             <a:r>
-              <a:rPr lang="zh-TW" altLang="en-US" sz="5400" b="1" dirty="0" smtClean="0">
-                <a:solidFill>
-                  <a:srgbClr val="000066"/>
-                </a:solidFill>
-                <a:latin typeface="微軟正黑體" pitchFamily="34" charset="-120"/>
-                <a:ea typeface="微軟正黑體" pitchFamily="34" charset="-120"/>
-              </a:rPr>
-              <a:t>你</a:t>
-            </a:r>
-            <a:r>
-              <a:rPr lang="zh-TW" altLang="en-US" sz="5400" b="1" dirty="0" smtClean="0">
-                <a:solidFill>
-                  <a:srgbClr val="000066"/>
-                </a:solidFill>
-                <a:latin typeface="微軟正黑體" pitchFamily="34" charset="-120"/>
-                <a:ea typeface="微軟正黑體" pitchFamily="34" charset="-120"/>
-              </a:rPr>
-              <a:t>沒有一句</a:t>
-            </a:r>
-            <a:r>
-              <a:rPr lang="zh-TW" altLang="en-US" sz="5400" b="1" dirty="0" smtClean="0">
-                <a:solidFill>
-                  <a:srgbClr val="000066"/>
-                </a:solidFill>
-                <a:latin typeface="微軟正黑體" pitchFamily="34" charset="-120"/>
-                <a:ea typeface="微軟正黑體" pitchFamily="34" charset="-120"/>
-              </a:rPr>
-              <a:t>不知道</a:t>
-            </a:r>
-            <a:endParaRPr lang="en-US" altLang="zh-TW" sz="5400" b="1" dirty="0" smtClean="0">
+              <a:rPr lang="zh-TW" altLang="en-US" sz="6400" b="1" dirty="0">
+                <a:solidFill>
+                  <a:srgbClr val="660033"/>
+                </a:solidFill>
+                <a:latin typeface="Microsoft JhengHei" panose="020B0604030504040204" pitchFamily="34" charset="-120"/>
+                <a:ea typeface="Microsoft JhengHei" panose="020B0604030504040204" pitchFamily="34" charset="-120"/>
+              </a:rPr>
+              <a:t>我坐下  我起</a:t>
+            </a:r>
+            <a:r>
+              <a:rPr lang="zh-TW" altLang="en-US" sz="6400" b="1" dirty="0" smtClean="0">
+                <a:solidFill>
+                  <a:srgbClr val="660033"/>
+                </a:solidFill>
+                <a:latin typeface="Microsoft JhengHei" panose="020B0604030504040204" pitchFamily="34" charset="-120"/>
+                <a:ea typeface="Microsoft JhengHei" panose="020B0604030504040204" pitchFamily="34" charset="-120"/>
+              </a:rPr>
+              <a:t>來  </a:t>
+            </a:r>
+            <a:r>
+              <a:rPr lang="zh-CN" altLang="en-US" sz="6400" b="1" dirty="0" smtClean="0">
+                <a:solidFill>
+                  <a:srgbClr val="660033"/>
+                </a:solidFill>
+                <a:latin typeface="Microsoft JhengHei" panose="020B0604030504040204" pitchFamily="34" charset="-120"/>
+                <a:ea typeface="Microsoft JhengHei" panose="020B0604030504040204" pitchFamily="34" charset="-120"/>
+              </a:rPr>
+              <a:t>袮</a:t>
+            </a:r>
+            <a:r>
+              <a:rPr lang="zh-TW" altLang="en-US" sz="6400" b="1" dirty="0" smtClean="0">
+                <a:solidFill>
+                  <a:srgbClr val="660033"/>
+                </a:solidFill>
+                <a:latin typeface="Microsoft JhengHei" panose="020B0604030504040204" pitchFamily="34" charset="-120"/>
+                <a:ea typeface="Microsoft JhengHei" panose="020B0604030504040204" pitchFamily="34" charset="-120"/>
+              </a:rPr>
+              <a:t>都</a:t>
+            </a:r>
+            <a:r>
+              <a:rPr lang="zh-TW" altLang="en-US" sz="6400" b="1" dirty="0">
+                <a:solidFill>
+                  <a:srgbClr val="660033"/>
+                </a:solidFill>
+                <a:latin typeface="Microsoft JhengHei" panose="020B0604030504040204" pitchFamily="34" charset="-120"/>
+                <a:ea typeface="Microsoft JhengHei" panose="020B0604030504040204" pitchFamily="34" charset="-120"/>
+              </a:rPr>
+              <a:t>已曉得</a:t>
+            </a:r>
+            <a:endParaRPr lang="en-US" altLang="zh-TW" sz="6400" b="1" dirty="0">
               <a:solidFill>
-                <a:srgbClr val="000066"/>
+                <a:srgbClr val="660033"/>
               </a:solidFill>
-              <a:latin typeface="微軟正黑體" pitchFamily="34" charset="-120"/>
-              <a:ea typeface="微軟正黑體" pitchFamily="34" charset="-120"/>
+              <a:latin typeface="Microsoft JhengHei" panose="020B0604030504040204" pitchFamily="34" charset="-120"/>
+              <a:ea typeface="Microsoft JhengHei" panose="020B0604030504040204" pitchFamily="34" charset="-120"/>
             </a:endParaRPr>
           </a:p>
-          <a:p>
-            <a:pPr algn="ctr">
-              <a:buNone/>
-            </a:pPr>
-            <a:r>
-              <a:rPr lang="zh-TW" altLang="en-US" sz="5400" b="1" dirty="0" smtClean="0">
-                <a:solidFill>
-                  <a:srgbClr val="000066"/>
-                </a:solidFill>
-                <a:latin typeface="微軟正黑體" pitchFamily="34" charset="-120"/>
-                <a:ea typeface="微軟正黑體" pitchFamily="34" charset="-120"/>
-              </a:rPr>
-              <a:t>你</a:t>
-            </a:r>
-            <a:r>
-              <a:rPr lang="zh-TW" altLang="en-US" sz="5400" b="1" dirty="0" smtClean="0">
-                <a:solidFill>
-                  <a:srgbClr val="000066"/>
-                </a:solidFill>
-                <a:latin typeface="微軟正黑體" pitchFamily="34" charset="-120"/>
-                <a:ea typeface="微軟正黑體" pitchFamily="34" charset="-120"/>
-              </a:rPr>
-              <a:t>在我前後環繞著</a:t>
-            </a:r>
-            <a:r>
-              <a:rPr lang="zh-TW" altLang="en-US" sz="5400" b="1" dirty="0" smtClean="0">
-                <a:solidFill>
-                  <a:srgbClr val="000066"/>
-                </a:solidFill>
-                <a:latin typeface="微軟正黑體" pitchFamily="34" charset="-120"/>
-                <a:ea typeface="微軟正黑體" pitchFamily="34" charset="-120"/>
-              </a:rPr>
-              <a:t>我</a:t>
-            </a:r>
-            <a:endParaRPr lang="en-US" altLang="zh-TW" sz="5400" b="1" dirty="0" smtClean="0">
-              <a:solidFill>
-                <a:srgbClr val="000066"/>
-              </a:solidFill>
-              <a:latin typeface="微軟正黑體" pitchFamily="34" charset="-120"/>
-              <a:ea typeface="微軟正黑體" pitchFamily="34" charset="-120"/>
-            </a:endParaRPr>
-          </a:p>
-          <a:p>
-            <a:pPr algn="ctr">
-              <a:buNone/>
-            </a:pPr>
-            <a:r>
-              <a:rPr lang="zh-TW" altLang="en-US" sz="5400" b="1" dirty="0" smtClean="0">
-                <a:solidFill>
-                  <a:srgbClr val="000066"/>
-                </a:solidFill>
-                <a:latin typeface="微軟正黑體" pitchFamily="34" charset="-120"/>
-                <a:ea typeface="微軟正黑體" pitchFamily="34" charset="-120"/>
-              </a:rPr>
-              <a:t>按</a:t>
-            </a:r>
-            <a:r>
-              <a:rPr lang="zh-TW" altLang="en-US" sz="5400" b="1" dirty="0" smtClean="0">
-                <a:solidFill>
-                  <a:srgbClr val="000066"/>
-                </a:solidFill>
-                <a:latin typeface="微軟正黑體" pitchFamily="34" charset="-120"/>
-                <a:ea typeface="微軟正黑體" pitchFamily="34" charset="-120"/>
-              </a:rPr>
-              <a:t>手在我</a:t>
-            </a:r>
-            <a:r>
-              <a:rPr lang="zh-TW" altLang="en-US" sz="5400" b="1" dirty="0" smtClean="0">
-                <a:solidFill>
-                  <a:srgbClr val="000066"/>
-                </a:solidFill>
-                <a:latin typeface="微軟正黑體" pitchFamily="34" charset="-120"/>
-                <a:ea typeface="微軟正黑體" pitchFamily="34" charset="-120"/>
-              </a:rPr>
-              <a:t>身上</a:t>
-            </a:r>
-            <a:endParaRPr lang="en-US" altLang="zh-TW" sz="5400" b="1" dirty="0" smtClean="0">
-              <a:solidFill>
-                <a:srgbClr val="000066"/>
-              </a:solidFill>
-              <a:latin typeface="微軟正黑體" pitchFamily="34" charset="-120"/>
-              <a:ea typeface="微軟正黑體" pitchFamily="34" charset="-120"/>
-            </a:endParaRPr>
-          </a:p>
-        </p:txBody>
-      </p:sp>
-      <p:sp>
-        <p:nvSpPr>
-          <p:cNvPr id="6" name="標題 3"/>
-          <p:cNvSpPr txBox="1">
-            <a:spLocks/>
-          </p:cNvSpPr>
-          <p:nvPr/>
-        </p:nvSpPr>
-        <p:spPr>
-          <a:xfrm>
-            <a:off x="0" y="6429396"/>
-            <a:ext cx="1857356" cy="428604"/>
-          </a:xfrm>
-          <a:prstGeom prst="rect">
-            <a:avLst/>
-          </a:prstGeom>
-        </p:spPr>
-        <p:txBody>
-          <a:bodyPr vert="horz" lIns="91440" tIns="45720" rIns="91440" bIns="45720" rtlCol="0" anchor="ctr">
-            <a:normAutofit/>
-          </a:bodyPr>
-          <a:lstStyle/>
-          <a:p>
-            <a:pPr marL="0" marR="0" lvl="0" indent="0" algn="ctr" defTabSz="914400" rtl="0" eaLnBrk="1" fontAlgn="auto" latinLnBrk="0" hangingPunct="1">
-              <a:lnSpc>
-                <a:spcPct val="100000"/>
-              </a:lnSpc>
-              <a:spcBef>
-                <a:spcPct val="0"/>
-              </a:spcBef>
-              <a:spcAft>
-                <a:spcPts val="0"/>
-              </a:spcAft>
-              <a:buClrTx/>
-              <a:buSzTx/>
-              <a:buFontTx/>
-              <a:buNone/>
-              <a:tabLst/>
-              <a:defRPr/>
-            </a:pPr>
-            <a:r>
-              <a:rPr kumimoji="0" lang="zh-TW" altLang="en-US" sz="1500" b="1" i="0" u="none" strike="noStrike" kern="1200" cap="none" spc="0" normalizeH="0" baseline="0" noProof="0" dirty="0" smtClean="0">
-                <a:ln>
-                  <a:noFill/>
-                </a:ln>
-                <a:solidFill>
-                  <a:srgbClr val="000066"/>
-                </a:solidFill>
-                <a:effectLst/>
-                <a:uLnTx/>
-                <a:uFillTx/>
-                <a:latin typeface="微軟正黑體" pitchFamily="34" charset="-120"/>
-                <a:ea typeface="微軟正黑體" pitchFamily="34" charset="-120"/>
-                <a:cs typeface="+mj-cs"/>
-              </a:rPr>
-              <a:t>展開清晨的翅膀</a:t>
-            </a:r>
-            <a:r>
-              <a:rPr kumimoji="0" lang="en-US" altLang="zh-TW" sz="1500" b="1" i="0" u="none" strike="noStrike" kern="1200" cap="none" spc="0" normalizeH="0" baseline="0" noProof="0" dirty="0" smtClean="0">
-                <a:ln>
-                  <a:noFill/>
-                </a:ln>
-                <a:solidFill>
-                  <a:srgbClr val="000066"/>
-                </a:solidFill>
-                <a:effectLst/>
-                <a:uLnTx/>
-                <a:uFillTx/>
-                <a:latin typeface="微軟正黑體" pitchFamily="34" charset="-120"/>
-                <a:ea typeface="微軟正黑體" pitchFamily="34" charset="-120"/>
-                <a:cs typeface="+mj-cs"/>
-              </a:rPr>
-              <a:t>2/5</a:t>
-            </a:r>
-            <a:endParaRPr kumimoji="0" lang="zh-TW" altLang="en-US" sz="1500" b="0" i="0" u="none" strike="noStrike" kern="1200" cap="none" spc="0" normalizeH="0" baseline="0" noProof="0" dirty="0">
-              <a:ln>
-                <a:noFill/>
-              </a:ln>
-              <a:solidFill>
-                <a:srgbClr val="000066"/>
-              </a:solidFill>
-              <a:effectLst/>
-              <a:uLnTx/>
-              <a:uFillTx/>
-              <a:latin typeface="微軟正黑體" pitchFamily="34" charset="-120"/>
-              <a:ea typeface="微軟正黑體" pitchFamily="34" charset="-120"/>
-              <a:cs typeface="+mj-cs"/>
-            </a:endParaRPr>
-          </a:p>
         </p:txBody>
       </p:sp>
     </p:spTree>
+    <p:extLst>
+      <p:ext uri="{BB962C8B-B14F-4D97-AF65-F5344CB8AC3E}">
+        <p14:creationId xmlns:p14="http://schemas.microsoft.com/office/powerpoint/2010/main" val="688695035"/>
+      </p:ext>
+    </p:extLst>
   </p:cSld>
   <p:clrMapOvr>
     <a:masterClrMapping/>
@@ -3774,41 +3534,6 @@
       </p:grpSpPr>
       <p:sp>
         <p:nvSpPr>
-          <p:cNvPr id="4" name="標題 3"/>
-          <p:cNvSpPr>
-            <a:spLocks noGrp="1"/>
-          </p:cNvSpPr>
-          <p:nvPr>
-            <p:ph type="title"/>
-          </p:nvPr>
-        </p:nvSpPr>
-        <p:spPr/>
-        <p:txBody>
-          <a:bodyPr/>
-          <a:lstStyle/>
-          <a:p>
-            <a:r>
-              <a:rPr lang="zh-TW" altLang="en-US" b="1" dirty="0" smtClean="0">
-                <a:solidFill>
-                  <a:srgbClr val="000066"/>
-                </a:solidFill>
-                <a:latin typeface="微軟正黑體" pitchFamily="34" charset="-120"/>
-                <a:ea typeface="微軟正黑體" pitchFamily="34" charset="-120"/>
-              </a:rPr>
-              <a:t>展開清晨的翅膀</a:t>
-            </a:r>
-            <a:endParaRPr lang="zh-TW" altLang="en-US" dirty="0">
-              <a:solidFill>
-                <a:srgbClr val="000066"/>
-              </a:solidFill>
-              <a:latin typeface="微軟正黑體" pitchFamily="34" charset="-120"/>
-              <a:ea typeface="微軟正黑體" pitchFamily="34" charset="-120"/>
-            </a:endParaRPr>
-          </a:p>
-        </p:txBody>
-      </p:sp>
-      <p:sp>
-        <p:nvSpPr>
           <p:cNvPr id="5" name="內容版面配置區 4"/>
           <p:cNvSpPr>
             <a:spLocks noGrp="1"/>
@@ -3819,12 +3544,12 @@
         </p:nvSpPr>
         <p:spPr>
           <a:xfrm>
-            <a:off x="0" y="1600200"/>
-            <a:ext cx="9144000" cy="4043378"/>
+            <a:off x="0" y="2084851"/>
+            <a:ext cx="12192000" cy="2404863"/>
           </a:xfrm>
         </p:spPr>
         <p:txBody>
-          <a:bodyPr>
+          <a:bodyPr anchor="ctr">
             <a:noAutofit/>
           </a:bodyPr>
           <a:lstStyle/>
@@ -3833,31 +3558,61 @@
               <a:buNone/>
             </a:pPr>
             <a:r>
-              <a:rPr lang="zh-TW" altLang="en-US" sz="5400" b="1" dirty="0" smtClean="0">
-                <a:solidFill>
-                  <a:srgbClr val="000066"/>
-                </a:solidFill>
-                <a:latin typeface="微軟正黑體" pitchFamily="34" charset="-120"/>
-                <a:ea typeface="微軟正黑體" pitchFamily="34" charset="-120"/>
-              </a:rPr>
-              <a:t>這樣的</a:t>
-            </a:r>
-            <a:r>
-              <a:rPr lang="zh-TW" altLang="en-US" sz="5400" b="1" dirty="0" smtClean="0">
-                <a:solidFill>
-                  <a:srgbClr val="000066"/>
-                </a:solidFill>
-                <a:latin typeface="微軟正黑體" pitchFamily="34" charset="-120"/>
-                <a:ea typeface="微軟正黑體" pitchFamily="34" charset="-120"/>
-              </a:rPr>
-              <a:t>奇妙</a:t>
-            </a:r>
-            <a:endParaRPr lang="en-US" altLang="zh-TW" sz="5400" b="1" dirty="0" smtClean="0">
+              <a:rPr lang="zh-TW" altLang="en-US" sz="6400" b="1" dirty="0">
+                <a:solidFill>
+                  <a:srgbClr val="660033"/>
+                </a:solidFill>
+                <a:latin typeface="Microsoft JhengHei" panose="020B0604030504040204" pitchFamily="34" charset="-120"/>
+                <a:ea typeface="Microsoft JhengHei" panose="020B0604030504040204" pitchFamily="34" charset="-120"/>
+              </a:rPr>
+              <a:t>我行路  我躺</a:t>
+            </a:r>
+            <a:r>
+              <a:rPr lang="zh-TW" altLang="en-US" sz="6400" b="1" dirty="0" smtClean="0">
+                <a:solidFill>
+                  <a:srgbClr val="660033"/>
+                </a:solidFill>
+                <a:latin typeface="Microsoft JhengHei" panose="020B0604030504040204" pitchFamily="34" charset="-120"/>
+                <a:ea typeface="Microsoft JhengHei" panose="020B0604030504040204" pitchFamily="34" charset="-120"/>
+              </a:rPr>
+              <a:t>臥  </a:t>
+            </a:r>
+            <a:r>
+              <a:rPr lang="zh-CN" altLang="en-US" sz="6400" b="1" dirty="0" smtClean="0">
+                <a:solidFill>
+                  <a:srgbClr val="660033"/>
+                </a:solidFill>
+                <a:latin typeface="Microsoft JhengHei" panose="020B0604030504040204" pitchFamily="34" charset="-120"/>
+                <a:ea typeface="Microsoft JhengHei" panose="020B0604030504040204" pitchFamily="34" charset="-120"/>
+              </a:rPr>
+              <a:t>袮</a:t>
+            </a:r>
+            <a:r>
+              <a:rPr lang="zh-TW" altLang="en-US" sz="6400" b="1" dirty="0" smtClean="0">
+                <a:solidFill>
+                  <a:srgbClr val="660033"/>
+                </a:solidFill>
+                <a:latin typeface="Microsoft JhengHei" panose="020B0604030504040204" pitchFamily="34" charset="-120"/>
+                <a:ea typeface="Microsoft JhengHei" panose="020B0604030504040204" pitchFamily="34" charset="-120"/>
+              </a:rPr>
+              <a:t>都</a:t>
+            </a:r>
+            <a:r>
+              <a:rPr lang="zh-TW" altLang="en-US" sz="6400" b="1" dirty="0">
+                <a:solidFill>
+                  <a:srgbClr val="660033"/>
+                </a:solidFill>
+                <a:latin typeface="Microsoft JhengHei" panose="020B0604030504040204" pitchFamily="34" charset="-120"/>
+                <a:ea typeface="Microsoft JhengHei" panose="020B0604030504040204" pitchFamily="34" charset="-120"/>
+              </a:rPr>
+              <a:t>細察</a:t>
+            </a:r>
+            <a:endParaRPr lang="en-US" altLang="zh-TW" sz="6400" b="1" dirty="0">
               <a:solidFill>
-                <a:srgbClr val="000066"/>
+                <a:srgbClr val="660033"/>
               </a:solidFill>
-              <a:latin typeface="微軟正黑體" pitchFamily="34" charset="-120"/>
-              <a:ea typeface="微軟正黑體" pitchFamily="34" charset="-120"/>
+              <a:latin typeface="Microsoft JhengHei" panose="020B0604030504040204" pitchFamily="34" charset="-120"/>
+              <a:ea typeface="Microsoft JhengHei" panose="020B0604030504040204" pitchFamily="34" charset="-120"/>
             </a:endParaRPr>
           </a:p>
           <a:p>
@@ -3865,211 +3620,51 @@
               <a:buNone/>
             </a:pPr>
             <a:r>
-              <a:rPr lang="zh-TW" altLang="en-US" sz="5400" b="1" dirty="0" smtClean="0">
-                <a:solidFill>
-                  <a:srgbClr val="000066"/>
-                </a:solidFill>
-                <a:latin typeface="微軟正黑體" pitchFamily="34" charset="-120"/>
-                <a:ea typeface="微軟正黑體" pitchFamily="34" charset="-120"/>
-              </a:rPr>
-              <a:t>是</a:t>
-            </a:r>
-            <a:r>
-              <a:rPr lang="zh-TW" altLang="en-US" sz="5400" b="1" dirty="0" smtClean="0">
-                <a:solidFill>
-                  <a:srgbClr val="000066"/>
-                </a:solidFill>
-                <a:latin typeface="微軟正黑體" pitchFamily="34" charset="-120"/>
-                <a:ea typeface="微軟正黑體" pitchFamily="34" charset="-120"/>
-              </a:rPr>
-              <a:t>我不能測</a:t>
-            </a:r>
-            <a:r>
-              <a:rPr lang="zh-TW" altLang="en-US" sz="5400" b="1" dirty="0" smtClean="0">
-                <a:solidFill>
-                  <a:srgbClr val="000066"/>
-                </a:solidFill>
-                <a:latin typeface="微軟正黑體" pitchFamily="34" charset="-120"/>
-                <a:ea typeface="微軟正黑體" pitchFamily="34" charset="-120"/>
-              </a:rPr>
-              <a:t>透</a:t>
-            </a:r>
-            <a:endParaRPr lang="en-US" altLang="zh-TW" sz="5400" b="1" dirty="0" smtClean="0">
+              <a:rPr lang="zh-CN" altLang="en-US" sz="6400" b="1" dirty="0">
+                <a:solidFill>
+                  <a:srgbClr val="660033"/>
+                </a:solidFill>
+                <a:latin typeface="Microsoft JhengHei" panose="020B0604030504040204" pitchFamily="34" charset="-120"/>
+                <a:ea typeface="Microsoft JhengHei" panose="020B0604030504040204" pitchFamily="34" charset="-120"/>
+              </a:rPr>
+              <a:t>袮</a:t>
+            </a:r>
+            <a:r>
+              <a:rPr lang="zh-TW" altLang="en-US" sz="6400" b="1" dirty="0" smtClean="0">
+                <a:solidFill>
+                  <a:srgbClr val="660033"/>
+                </a:solidFill>
+                <a:latin typeface="Microsoft JhengHei" panose="020B0604030504040204" pitchFamily="34" charset="-120"/>
+                <a:ea typeface="Microsoft JhengHei" panose="020B0604030504040204" pitchFamily="34" charset="-120"/>
+              </a:rPr>
+              <a:t>也</a:t>
+            </a:r>
+            <a:r>
+              <a:rPr lang="zh-TW" altLang="en-US" sz="6400" b="1" dirty="0">
+                <a:solidFill>
+                  <a:srgbClr val="660033"/>
+                </a:solidFill>
+                <a:latin typeface="Microsoft JhengHei" panose="020B0604030504040204" pitchFamily="34" charset="-120"/>
+                <a:ea typeface="Microsoft JhengHei" panose="020B0604030504040204" pitchFamily="34" charset="-120"/>
+              </a:rPr>
+              <a:t>深知我一切所行</a:t>
+            </a:r>
+            <a:endParaRPr lang="en-US" altLang="zh-TW" sz="6400" b="1" dirty="0">
               <a:solidFill>
-                <a:srgbClr val="000066"/>
+                <a:srgbClr val="660033"/>
               </a:solidFill>
-              <a:latin typeface="微軟正黑體" pitchFamily="34" charset="-120"/>
-              <a:ea typeface="微軟正黑體" pitchFamily="34" charset="-120"/>
+              <a:latin typeface="Microsoft JhengHei" panose="020B0604030504040204" pitchFamily="34" charset="-120"/>
+              <a:ea typeface="Microsoft JhengHei" panose="020B0604030504040204" pitchFamily="34" charset="-120"/>
             </a:endParaRPr>
           </a:p>
-          <a:p>
-            <a:pPr algn="ctr">
-              <a:buNone/>
-            </a:pPr>
-            <a:r>
-              <a:rPr lang="zh-TW" altLang="en-US" sz="5400" b="1" dirty="0" smtClean="0">
-                <a:solidFill>
-                  <a:srgbClr val="000066"/>
-                </a:solidFill>
-                <a:latin typeface="微軟正黑體" pitchFamily="34" charset="-120"/>
-                <a:ea typeface="微軟正黑體" pitchFamily="34" charset="-120"/>
-              </a:rPr>
-              <a:t>你</a:t>
-            </a:r>
-            <a:r>
-              <a:rPr lang="zh-TW" altLang="en-US" sz="5400" b="1" dirty="0" smtClean="0">
-                <a:solidFill>
-                  <a:srgbClr val="000066"/>
-                </a:solidFill>
-                <a:latin typeface="微軟正黑體" pitchFamily="34" charset="-120"/>
-                <a:ea typeface="微軟正黑體" pitchFamily="34" charset="-120"/>
-              </a:rPr>
-              <a:t>的至高你的</a:t>
-            </a:r>
-            <a:r>
-              <a:rPr lang="zh-TW" altLang="en-US" sz="5400" b="1" dirty="0" smtClean="0">
-                <a:solidFill>
-                  <a:srgbClr val="000066"/>
-                </a:solidFill>
-                <a:latin typeface="微軟正黑體" pitchFamily="34" charset="-120"/>
-                <a:ea typeface="微軟正黑體" pitchFamily="34" charset="-120"/>
-              </a:rPr>
-              <a:t>尊貴</a:t>
-            </a:r>
-            <a:endParaRPr lang="en-US" altLang="zh-TW" sz="5400" b="1" dirty="0" smtClean="0">
-              <a:solidFill>
-                <a:srgbClr val="000066"/>
-              </a:solidFill>
-              <a:latin typeface="微軟正黑體" pitchFamily="34" charset="-120"/>
-              <a:ea typeface="微軟正黑體" pitchFamily="34" charset="-120"/>
-            </a:endParaRPr>
-          </a:p>
-          <a:p>
-            <a:pPr algn="ctr">
-              <a:buNone/>
-            </a:pPr>
-            <a:r>
-              <a:rPr lang="zh-TW" altLang="en-US" sz="5400" b="1" dirty="0" smtClean="0">
-                <a:solidFill>
-                  <a:srgbClr val="000066"/>
-                </a:solidFill>
-                <a:latin typeface="微軟正黑體" pitchFamily="34" charset="-120"/>
-                <a:ea typeface="微軟正黑體" pitchFamily="34" charset="-120"/>
-              </a:rPr>
-              <a:t>是</a:t>
-            </a:r>
-            <a:r>
-              <a:rPr lang="zh-TW" altLang="en-US" sz="5400" b="1" dirty="0" smtClean="0">
-                <a:solidFill>
-                  <a:srgbClr val="000066"/>
-                </a:solidFill>
-                <a:latin typeface="微軟正黑體" pitchFamily="34" charset="-120"/>
-                <a:ea typeface="微軟正黑體" pitchFamily="34" charset="-120"/>
-              </a:rPr>
-              <a:t>我永遠不能所及</a:t>
-            </a:r>
-            <a:endParaRPr lang="en-US" altLang="zh-TW" sz="5400" b="1" dirty="0" smtClean="0">
-              <a:solidFill>
-                <a:srgbClr val="000066"/>
-              </a:solidFill>
-              <a:latin typeface="微軟正黑體" pitchFamily="34" charset="-120"/>
-              <a:ea typeface="微軟正黑體" pitchFamily="34" charset="-120"/>
-            </a:endParaRPr>
-          </a:p>
-        </p:txBody>
-      </p:sp>
-      <p:sp>
-        <p:nvSpPr>
-          <p:cNvPr id="6" name="標題 3"/>
-          <p:cNvSpPr txBox="1">
-            <a:spLocks/>
-          </p:cNvSpPr>
-          <p:nvPr/>
-        </p:nvSpPr>
-        <p:spPr>
-          <a:xfrm>
-            <a:off x="0" y="6429396"/>
-            <a:ext cx="1857356" cy="428604"/>
-          </a:xfrm>
-          <a:prstGeom prst="rect">
-            <a:avLst/>
-          </a:prstGeom>
-        </p:spPr>
-        <p:txBody>
-          <a:bodyPr vert="horz" lIns="91440" tIns="45720" rIns="91440" bIns="45720" rtlCol="0" anchor="ctr">
-            <a:normAutofit/>
-          </a:bodyPr>
-          <a:lstStyle/>
-          <a:p>
-            <a:pPr marL="0" marR="0" lvl="0" indent="0" algn="ctr" defTabSz="914400" rtl="0" eaLnBrk="1" fontAlgn="auto" latinLnBrk="0" hangingPunct="1">
-              <a:lnSpc>
-                <a:spcPct val="100000"/>
-              </a:lnSpc>
-              <a:spcBef>
-                <a:spcPct val="0"/>
-              </a:spcBef>
-              <a:spcAft>
-                <a:spcPts val="0"/>
-              </a:spcAft>
-              <a:buClrTx/>
-              <a:buSzTx/>
-              <a:buFontTx/>
-              <a:buNone/>
-              <a:tabLst/>
-              <a:defRPr/>
-            </a:pPr>
-            <a:r>
-              <a:rPr kumimoji="0" lang="zh-TW" altLang="en-US" sz="1500" b="1" i="0" u="none" strike="noStrike" kern="1200" cap="none" spc="0" normalizeH="0" baseline="0" noProof="0" dirty="0" smtClean="0">
-                <a:ln>
-                  <a:noFill/>
-                </a:ln>
-                <a:solidFill>
-                  <a:srgbClr val="000066"/>
-                </a:solidFill>
-                <a:effectLst/>
-                <a:uLnTx/>
-                <a:uFillTx/>
-                <a:latin typeface="微軟正黑體" pitchFamily="34" charset="-120"/>
-                <a:ea typeface="微軟正黑體" pitchFamily="34" charset="-120"/>
-                <a:cs typeface="+mj-cs"/>
-              </a:rPr>
-              <a:t>展開清晨的翅膀</a:t>
-            </a:r>
-            <a:r>
-              <a:rPr kumimoji="0" lang="en-US" altLang="zh-TW" sz="1500" b="1" i="0" u="none" strike="noStrike" kern="1200" cap="none" spc="0" normalizeH="0" baseline="0" noProof="0" dirty="0" smtClean="0">
-                <a:ln>
-                  <a:noFill/>
-                </a:ln>
-                <a:solidFill>
-                  <a:srgbClr val="000066"/>
-                </a:solidFill>
-                <a:effectLst/>
-                <a:uLnTx/>
-                <a:uFillTx/>
-                <a:latin typeface="微軟正黑體" pitchFamily="34" charset="-120"/>
-                <a:ea typeface="微軟正黑體" pitchFamily="34" charset="-120"/>
-                <a:cs typeface="+mj-cs"/>
-              </a:rPr>
-              <a:t>3/5</a:t>
-            </a:r>
-            <a:endParaRPr kumimoji="0" lang="zh-TW" altLang="en-US" sz="1500" b="0" i="0" u="none" strike="noStrike" kern="1200" cap="none" spc="0" normalizeH="0" baseline="0" noProof="0" dirty="0">
-              <a:ln>
-                <a:noFill/>
-              </a:ln>
-              <a:solidFill>
-                <a:srgbClr val="000066"/>
-              </a:solidFill>
-              <a:effectLst/>
-              <a:uLnTx/>
-              <a:uFillTx/>
-              <a:latin typeface="微軟正黑體" pitchFamily="34" charset="-120"/>
-              <a:ea typeface="微軟正黑體" pitchFamily="34" charset="-120"/>
-              <a:cs typeface="+mj-cs"/>
-            </a:endParaRPr>
-          </a:p>
         </p:txBody>
       </p:sp>
     </p:spTree>
+    <p:extLst>
+      <p:ext uri="{BB962C8B-B14F-4D97-AF65-F5344CB8AC3E}">
+        <p14:creationId xmlns:p14="http://schemas.microsoft.com/office/powerpoint/2010/main" val="2955121712"/>
+      </p:ext>
+    </p:extLst>
   </p:cSld>
   <p:clrMapOvr>
     <a:masterClrMapping/>
@@ -4096,41 +3691,6 @@
       </p:grpSpPr>
       <p:sp>
         <p:nvSpPr>
-          <p:cNvPr id="4" name="標題 3"/>
-          <p:cNvSpPr>
-            <a:spLocks noGrp="1"/>
-          </p:cNvSpPr>
-          <p:nvPr>
-            <p:ph type="title"/>
-          </p:nvPr>
-        </p:nvSpPr>
-        <p:spPr/>
-        <p:txBody>
-          <a:bodyPr/>
-          <a:lstStyle/>
-          <a:p>
-            <a:r>
-              <a:rPr lang="zh-TW" altLang="en-US" b="1" dirty="0" smtClean="0">
-                <a:solidFill>
-                  <a:srgbClr val="000066"/>
-                </a:solidFill>
-                <a:latin typeface="微軟正黑體" pitchFamily="34" charset="-120"/>
-                <a:ea typeface="微軟正黑體" pitchFamily="34" charset="-120"/>
-              </a:rPr>
-              <a:t>展開清晨的翅膀</a:t>
-            </a:r>
-            <a:endParaRPr lang="zh-TW" altLang="en-US" dirty="0">
-              <a:solidFill>
-                <a:srgbClr val="000066"/>
-              </a:solidFill>
-              <a:latin typeface="微軟正黑體" pitchFamily="34" charset="-120"/>
-              <a:ea typeface="微軟正黑體" pitchFamily="34" charset="-120"/>
-            </a:endParaRPr>
-          </a:p>
-        </p:txBody>
-      </p:sp>
-      <p:sp>
-        <p:nvSpPr>
           <p:cNvPr id="5" name="內容版面配置區 4"/>
           <p:cNvSpPr>
             <a:spLocks noGrp="1"/>
@@ -4141,12 +3701,12 @@
         </p:nvSpPr>
         <p:spPr>
           <a:xfrm>
-            <a:off x="0" y="1600200"/>
-            <a:ext cx="9144000" cy="4043378"/>
+            <a:off x="0" y="2084851"/>
+            <a:ext cx="12192000" cy="2404863"/>
           </a:xfrm>
         </p:spPr>
         <p:txBody>
-          <a:bodyPr>
+          <a:bodyPr anchor="ctr">
             <a:noAutofit/>
           </a:bodyPr>
           <a:lstStyle/>
@@ -4155,31 +3715,21 @@
               <a:buNone/>
             </a:pPr>
             <a:r>
-              <a:rPr lang="zh-TW" altLang="en-US" sz="5400" b="1" dirty="0" smtClean="0">
-                <a:solidFill>
-                  <a:srgbClr val="000066"/>
-                </a:solidFill>
-                <a:latin typeface="微軟正黑體" pitchFamily="34" charset="-120"/>
-                <a:ea typeface="微軟正黑體" pitchFamily="34" charset="-120"/>
-              </a:rPr>
-              <a:t>我可以往哪裡去躲避你的</a:t>
-            </a:r>
-            <a:r>
-              <a:rPr lang="zh-TW" altLang="en-US" sz="5400" b="1" dirty="0" smtClean="0">
-                <a:solidFill>
-                  <a:srgbClr val="000066"/>
-                </a:solidFill>
-                <a:latin typeface="微軟正黑體" pitchFamily="34" charset="-120"/>
-                <a:ea typeface="微軟正黑體" pitchFamily="34" charset="-120"/>
-              </a:rPr>
-              <a:t>靈</a:t>
-            </a:r>
-            <a:endParaRPr lang="en-US" altLang="zh-TW" sz="5400" b="1" dirty="0" smtClean="0">
+              <a:rPr lang="zh-TW" altLang="en-US" sz="6400" b="1" dirty="0">
+                <a:solidFill>
+                  <a:srgbClr val="660033"/>
+                </a:solidFill>
+                <a:latin typeface="Microsoft JhengHei" panose="020B0604030504040204" pitchFamily="34" charset="-120"/>
+                <a:ea typeface="Microsoft JhengHei" panose="020B0604030504040204" pitchFamily="34" charset="-120"/>
+              </a:rPr>
+              <a:t>我舌頭上的話</a:t>
+            </a:r>
+            <a:endParaRPr lang="en-US" altLang="zh-TW" sz="6400" b="1" dirty="0">
               <a:solidFill>
-                <a:srgbClr val="000066"/>
+                <a:srgbClr val="660033"/>
               </a:solidFill>
-              <a:latin typeface="微軟正黑體" pitchFamily="34" charset="-120"/>
-              <a:ea typeface="微軟正黑體" pitchFamily="34" charset="-120"/>
+              <a:latin typeface="Microsoft JhengHei" panose="020B0604030504040204" pitchFamily="34" charset="-120"/>
+              <a:ea typeface="Microsoft JhengHei" panose="020B0604030504040204" pitchFamily="34" charset="-120"/>
             </a:endParaRPr>
           </a:p>
           <a:p>
@@ -4187,179 +3737,51 @@
               <a:buNone/>
             </a:pPr>
             <a:r>
-              <a:rPr lang="zh-TW" altLang="en-US" sz="5400" b="1" dirty="0" smtClean="0">
-                <a:solidFill>
-                  <a:srgbClr val="000066"/>
-                </a:solidFill>
-                <a:latin typeface="微軟正黑體" pitchFamily="34" charset="-120"/>
-                <a:ea typeface="微軟正黑體" pitchFamily="34" charset="-120"/>
-              </a:rPr>
-              <a:t>我</a:t>
-            </a:r>
-            <a:r>
-              <a:rPr lang="zh-TW" altLang="en-US" sz="5400" b="1" dirty="0" smtClean="0">
-                <a:solidFill>
-                  <a:srgbClr val="000066"/>
-                </a:solidFill>
-                <a:latin typeface="微軟正黑體" pitchFamily="34" charset="-120"/>
-                <a:ea typeface="微軟正黑體" pitchFamily="34" charset="-120"/>
-              </a:rPr>
-              <a:t>可以往哪裡去</a:t>
-            </a:r>
-            <a:r>
-              <a:rPr lang="zh-TW" altLang="en-US" sz="5400" b="1" dirty="0" smtClean="0">
-                <a:solidFill>
-                  <a:srgbClr val="000066"/>
-                </a:solidFill>
-                <a:latin typeface="微軟正黑體" pitchFamily="34" charset="-120"/>
-                <a:ea typeface="微軟正黑體" pitchFamily="34" charset="-120"/>
-              </a:rPr>
-              <a:t>逃</a:t>
-            </a:r>
-            <a:endParaRPr lang="en-US" altLang="zh-TW" sz="5400" b="1" dirty="0" smtClean="0">
+              <a:rPr lang="zh-CN" altLang="en-US" sz="6400" b="1" dirty="0">
+                <a:solidFill>
+                  <a:srgbClr val="660033"/>
+                </a:solidFill>
+                <a:latin typeface="Microsoft JhengHei" panose="020B0604030504040204" pitchFamily="34" charset="-120"/>
+                <a:ea typeface="Microsoft JhengHei" panose="020B0604030504040204" pitchFamily="34" charset="-120"/>
+              </a:rPr>
+              <a:t>袮</a:t>
+            </a:r>
+            <a:r>
+              <a:rPr lang="zh-TW" altLang="en-US" sz="6400" b="1" dirty="0" smtClean="0">
+                <a:solidFill>
+                  <a:srgbClr val="660033"/>
+                </a:solidFill>
+                <a:latin typeface="Microsoft JhengHei" panose="020B0604030504040204" pitchFamily="34" charset="-120"/>
+                <a:ea typeface="Microsoft JhengHei" panose="020B0604030504040204" pitchFamily="34" charset="-120"/>
+              </a:rPr>
+              <a:t>沒</a:t>
+            </a:r>
+            <a:r>
+              <a:rPr lang="zh-TW" altLang="en-US" sz="6400" b="1" dirty="0">
+                <a:solidFill>
+                  <a:srgbClr val="660033"/>
+                </a:solidFill>
+                <a:latin typeface="Microsoft JhengHei" panose="020B0604030504040204" pitchFamily="34" charset="-120"/>
+                <a:ea typeface="Microsoft JhengHei" panose="020B0604030504040204" pitchFamily="34" charset="-120"/>
+              </a:rPr>
+              <a:t>有一句不知道</a:t>
+            </a:r>
+            <a:endParaRPr lang="en-US" altLang="zh-TW" sz="6400" b="1" dirty="0">
               <a:solidFill>
-                <a:srgbClr val="000066"/>
+                <a:srgbClr val="660033"/>
               </a:solidFill>
-              <a:latin typeface="微軟正黑體" pitchFamily="34" charset="-120"/>
-              <a:ea typeface="微軟正黑體" pitchFamily="34" charset="-120"/>
+              <a:latin typeface="Microsoft JhengHei" panose="020B0604030504040204" pitchFamily="34" charset="-120"/>
+              <a:ea typeface="Microsoft JhengHei" panose="020B0604030504040204" pitchFamily="34" charset="-120"/>
             </a:endParaRPr>
           </a:p>
-          <a:p>
-            <a:pPr algn="ctr">
-              <a:buNone/>
-            </a:pPr>
-            <a:r>
-              <a:rPr lang="zh-TW" altLang="en-US" sz="5400" b="1" dirty="0" smtClean="0">
-                <a:solidFill>
-                  <a:srgbClr val="000066"/>
-                </a:solidFill>
-                <a:latin typeface="微軟正黑體" pitchFamily="34" charset="-120"/>
-                <a:ea typeface="微軟正黑體" pitchFamily="34" charset="-120"/>
-              </a:rPr>
-              <a:t>可</a:t>
-            </a:r>
-            <a:r>
-              <a:rPr lang="zh-TW" altLang="en-US" sz="5400" b="1" dirty="0" smtClean="0">
-                <a:solidFill>
-                  <a:srgbClr val="000066"/>
-                </a:solidFill>
-                <a:latin typeface="微軟正黑體" pitchFamily="34" charset="-120"/>
-                <a:ea typeface="微軟正黑體" pitchFamily="34" charset="-120"/>
-              </a:rPr>
-              <a:t>躲避你的</a:t>
-            </a:r>
-            <a:r>
-              <a:rPr lang="zh-TW" altLang="en-US" sz="5400" b="1" dirty="0" smtClean="0">
-                <a:solidFill>
-                  <a:srgbClr val="000066"/>
-                </a:solidFill>
-                <a:latin typeface="微軟正黑體" pitchFamily="34" charset="-120"/>
-                <a:ea typeface="微軟正黑體" pitchFamily="34" charset="-120"/>
-              </a:rPr>
-              <a:t>面</a:t>
-            </a:r>
-            <a:endParaRPr lang="en-US" altLang="zh-TW" sz="5400" b="1" dirty="0" smtClean="0">
-              <a:solidFill>
-                <a:srgbClr val="000066"/>
-              </a:solidFill>
-              <a:latin typeface="微軟正黑體" pitchFamily="34" charset="-120"/>
-              <a:ea typeface="微軟正黑體" pitchFamily="34" charset="-120"/>
-            </a:endParaRPr>
-          </a:p>
-        </p:txBody>
-      </p:sp>
-      <p:sp>
-        <p:nvSpPr>
-          <p:cNvPr id="6" name="標題 3"/>
-          <p:cNvSpPr txBox="1">
-            <a:spLocks/>
-          </p:cNvSpPr>
-          <p:nvPr/>
-        </p:nvSpPr>
-        <p:spPr>
-          <a:xfrm>
-            <a:off x="0" y="6429396"/>
-            <a:ext cx="1857356" cy="428604"/>
-          </a:xfrm>
-          <a:prstGeom prst="rect">
-            <a:avLst/>
-          </a:prstGeom>
-        </p:spPr>
-        <p:txBody>
-          <a:bodyPr vert="horz" lIns="91440" tIns="45720" rIns="91440" bIns="45720" rtlCol="0" anchor="ctr">
-            <a:normAutofit/>
-          </a:bodyPr>
-          <a:lstStyle/>
-          <a:p>
-            <a:pPr marL="0" marR="0" lvl="0" indent="0" algn="ctr" defTabSz="914400" rtl="0" eaLnBrk="1" fontAlgn="auto" latinLnBrk="0" hangingPunct="1">
-              <a:lnSpc>
-                <a:spcPct val="100000"/>
-              </a:lnSpc>
-              <a:spcBef>
-                <a:spcPct val="0"/>
-              </a:spcBef>
-              <a:spcAft>
-                <a:spcPts val="0"/>
-              </a:spcAft>
-              <a:buClrTx/>
-              <a:buSzTx/>
-              <a:buFontTx/>
-              <a:buNone/>
-              <a:tabLst/>
-              <a:defRPr/>
-            </a:pPr>
-            <a:r>
-              <a:rPr kumimoji="0" lang="zh-TW" altLang="en-US" sz="1500" b="1" i="0" u="none" strike="noStrike" kern="1200" cap="none" spc="0" normalizeH="0" baseline="0" noProof="0" dirty="0" smtClean="0">
-                <a:ln>
-                  <a:noFill/>
-                </a:ln>
-                <a:solidFill>
-                  <a:srgbClr val="000066"/>
-                </a:solidFill>
-                <a:effectLst/>
-                <a:uLnTx/>
-                <a:uFillTx/>
-                <a:latin typeface="微軟正黑體" pitchFamily="34" charset="-120"/>
-                <a:ea typeface="微軟正黑體" pitchFamily="34" charset="-120"/>
-                <a:cs typeface="+mj-cs"/>
-              </a:rPr>
-              <a:t>展開清晨的翅膀</a:t>
-            </a:r>
-            <a:r>
-              <a:rPr kumimoji="0" lang="en-US" altLang="zh-TW" sz="1500" b="1" i="0" u="none" strike="noStrike" kern="1200" cap="none" spc="0" normalizeH="0" baseline="0" noProof="0" dirty="0" smtClean="0">
-                <a:ln>
-                  <a:noFill/>
-                </a:ln>
-                <a:solidFill>
-                  <a:srgbClr val="000066"/>
-                </a:solidFill>
-                <a:effectLst/>
-                <a:uLnTx/>
-                <a:uFillTx/>
-                <a:latin typeface="微軟正黑體" pitchFamily="34" charset="-120"/>
-                <a:ea typeface="微軟正黑體" pitchFamily="34" charset="-120"/>
-                <a:cs typeface="+mj-cs"/>
-              </a:rPr>
-              <a:t>4/5</a:t>
-            </a:r>
-            <a:endParaRPr kumimoji="0" lang="zh-TW" altLang="en-US" sz="1500" b="0" i="0" u="none" strike="noStrike" kern="1200" cap="none" spc="0" normalizeH="0" baseline="0" noProof="0" dirty="0">
-              <a:ln>
-                <a:noFill/>
-              </a:ln>
-              <a:solidFill>
-                <a:srgbClr val="000066"/>
-              </a:solidFill>
-              <a:effectLst/>
-              <a:uLnTx/>
-              <a:uFillTx/>
-              <a:latin typeface="微軟正黑體" pitchFamily="34" charset="-120"/>
-              <a:ea typeface="微軟正黑體" pitchFamily="34" charset="-120"/>
-              <a:cs typeface="+mj-cs"/>
-            </a:endParaRPr>
-          </a:p>
         </p:txBody>
       </p:sp>
     </p:spTree>
+    <p:extLst>
+      <p:ext uri="{BB962C8B-B14F-4D97-AF65-F5344CB8AC3E}">
+        <p14:creationId xmlns:p14="http://schemas.microsoft.com/office/powerpoint/2010/main" val="2766890392"/>
+      </p:ext>
+    </p:extLst>
   </p:cSld>
   <p:clrMapOvr>
     <a:masterClrMapping/>
@@ -4386,41 +3808,6 @@
       </p:grpSpPr>
       <p:sp>
         <p:nvSpPr>
-          <p:cNvPr id="4" name="標題 3"/>
-          <p:cNvSpPr>
-            <a:spLocks noGrp="1"/>
-          </p:cNvSpPr>
-          <p:nvPr>
-            <p:ph type="title"/>
-          </p:nvPr>
-        </p:nvSpPr>
-        <p:spPr/>
-        <p:txBody>
-          <a:bodyPr/>
-          <a:lstStyle/>
-          <a:p>
-            <a:r>
-              <a:rPr lang="zh-TW" altLang="en-US" b="1" dirty="0" smtClean="0">
-                <a:solidFill>
-                  <a:srgbClr val="000066"/>
-                </a:solidFill>
-                <a:latin typeface="微軟正黑體" pitchFamily="34" charset="-120"/>
-                <a:ea typeface="微軟正黑體" pitchFamily="34" charset="-120"/>
-              </a:rPr>
-              <a:t>展開清晨的翅膀</a:t>
-            </a:r>
-            <a:endParaRPr lang="zh-TW" altLang="en-US" dirty="0">
-              <a:solidFill>
-                <a:srgbClr val="000066"/>
-              </a:solidFill>
-              <a:latin typeface="微軟正黑體" pitchFamily="34" charset="-120"/>
-              <a:ea typeface="微軟正黑體" pitchFamily="34" charset="-120"/>
-            </a:endParaRPr>
-          </a:p>
-        </p:txBody>
-      </p:sp>
-      <p:sp>
-        <p:nvSpPr>
           <p:cNvPr id="5" name="內容版面配置區 4"/>
           <p:cNvSpPr>
             <a:spLocks noGrp="1"/>
@@ -4431,12 +3818,12 @@
         </p:nvSpPr>
         <p:spPr>
           <a:xfrm>
-            <a:off x="0" y="1600200"/>
-            <a:ext cx="9144000" cy="4043378"/>
+            <a:off x="0" y="2084851"/>
+            <a:ext cx="12192000" cy="2404863"/>
           </a:xfrm>
         </p:spPr>
         <p:txBody>
-          <a:bodyPr>
+          <a:bodyPr anchor="ctr">
             <a:noAutofit/>
           </a:bodyPr>
           <a:lstStyle/>
@@ -4445,31 +3832,41 @@
               <a:buNone/>
             </a:pPr>
             <a:r>
-              <a:rPr lang="zh-TW" altLang="en-US" sz="5400" b="1" dirty="0" smtClean="0">
-                <a:solidFill>
-                  <a:srgbClr val="000066"/>
-                </a:solidFill>
-                <a:latin typeface="微軟正黑體" pitchFamily="34" charset="-120"/>
-                <a:ea typeface="微軟正黑體" pitchFamily="34" charset="-120"/>
-              </a:rPr>
-              <a:t>我若展開清晨的</a:t>
-            </a:r>
-            <a:r>
-              <a:rPr lang="zh-TW" altLang="en-US" sz="5400" b="1" dirty="0" smtClean="0">
-                <a:solidFill>
-                  <a:srgbClr val="000066"/>
-                </a:solidFill>
-                <a:latin typeface="微軟正黑體" pitchFamily="34" charset="-120"/>
-                <a:ea typeface="微軟正黑體" pitchFamily="34" charset="-120"/>
-              </a:rPr>
-              <a:t>翅膀</a:t>
-            </a:r>
-            <a:endParaRPr lang="en-US" altLang="zh-TW" sz="5400" b="1" dirty="0" smtClean="0">
+              <a:rPr lang="zh-CN" altLang="en-US" sz="6400" b="1" dirty="0">
+                <a:solidFill>
+                  <a:srgbClr val="660033"/>
+                </a:solidFill>
+                <a:latin typeface="Microsoft JhengHei" panose="020B0604030504040204" pitchFamily="34" charset="-120"/>
+                <a:ea typeface="Microsoft JhengHei" panose="020B0604030504040204" pitchFamily="34" charset="-120"/>
+              </a:rPr>
+              <a:t>袮</a:t>
+            </a:r>
+            <a:r>
+              <a:rPr lang="zh-TW" altLang="en-US" sz="6400" b="1" dirty="0" smtClean="0">
+                <a:solidFill>
+                  <a:srgbClr val="660033"/>
+                </a:solidFill>
+                <a:latin typeface="Microsoft JhengHei" panose="020B0604030504040204" pitchFamily="34" charset="-120"/>
+                <a:ea typeface="Microsoft JhengHei" panose="020B0604030504040204" pitchFamily="34" charset="-120"/>
+              </a:rPr>
+              <a:t>在</a:t>
+            </a:r>
+            <a:r>
+              <a:rPr lang="zh-TW" altLang="en-US" sz="6400" b="1" dirty="0">
+                <a:solidFill>
+                  <a:srgbClr val="660033"/>
+                </a:solidFill>
+                <a:latin typeface="Microsoft JhengHei" panose="020B0604030504040204" pitchFamily="34" charset="-120"/>
+                <a:ea typeface="Microsoft JhengHei" panose="020B0604030504040204" pitchFamily="34" charset="-120"/>
+              </a:rPr>
+              <a:t>我前後環繞著我</a:t>
+            </a:r>
+            <a:endParaRPr lang="en-US" altLang="zh-TW" sz="6400" b="1" dirty="0">
               <a:solidFill>
-                <a:srgbClr val="000066"/>
+                <a:srgbClr val="660033"/>
               </a:solidFill>
-              <a:latin typeface="微軟正黑體" pitchFamily="34" charset="-120"/>
-              <a:ea typeface="微軟正黑體" pitchFamily="34" charset="-120"/>
+              <a:latin typeface="Microsoft JhengHei" panose="020B0604030504040204" pitchFamily="34" charset="-120"/>
+              <a:ea typeface="Microsoft JhengHei" panose="020B0604030504040204" pitchFamily="34" charset="-120"/>
             </a:endParaRPr>
           </a:p>
           <a:p>
@@ -4477,211 +3874,579 @@
               <a:buNone/>
             </a:pPr>
             <a:r>
-              <a:rPr lang="zh-TW" altLang="en-US" sz="5400" b="1" dirty="0" smtClean="0">
-                <a:solidFill>
-                  <a:srgbClr val="000066"/>
-                </a:solidFill>
-                <a:latin typeface="微軟正黑體" pitchFamily="34" charset="-120"/>
-                <a:ea typeface="微軟正黑體" pitchFamily="34" charset="-120"/>
-              </a:rPr>
-              <a:t>飛</a:t>
-            </a:r>
-            <a:r>
-              <a:rPr lang="zh-TW" altLang="en-US" sz="5400" b="1" dirty="0" smtClean="0">
-                <a:solidFill>
-                  <a:srgbClr val="000066"/>
-                </a:solidFill>
-                <a:latin typeface="微軟正黑體" pitchFamily="34" charset="-120"/>
-                <a:ea typeface="微軟正黑體" pitchFamily="34" charset="-120"/>
-              </a:rPr>
-              <a:t>到</a:t>
-            </a:r>
-            <a:r>
-              <a:rPr lang="zh-TW" altLang="en-US" sz="5400" b="1" dirty="0" smtClean="0">
-                <a:solidFill>
-                  <a:srgbClr val="000066"/>
-                </a:solidFill>
-                <a:latin typeface="微軟正黑體" pitchFamily="34" charset="-120"/>
-                <a:ea typeface="微軟正黑體" pitchFamily="34" charset="-120"/>
-              </a:rPr>
-              <a:t>地極</a:t>
-            </a:r>
-            <a:endParaRPr lang="en-US" altLang="zh-TW" sz="5400" b="1" dirty="0" smtClean="0">
+              <a:rPr lang="zh-TW" altLang="en-US" sz="6400" b="1" dirty="0">
+                <a:solidFill>
+                  <a:srgbClr val="660033"/>
+                </a:solidFill>
+                <a:latin typeface="Microsoft JhengHei" panose="020B0604030504040204" pitchFamily="34" charset="-120"/>
+                <a:ea typeface="Microsoft JhengHei" panose="020B0604030504040204" pitchFamily="34" charset="-120"/>
+              </a:rPr>
+              <a:t>按手在我身上</a:t>
+            </a:r>
+            <a:endParaRPr lang="en-US" altLang="zh-TW" sz="6400" b="1" dirty="0">
               <a:solidFill>
-                <a:srgbClr val="000066"/>
+                <a:srgbClr val="660033"/>
               </a:solidFill>
-              <a:latin typeface="微軟正黑體" pitchFamily="34" charset="-120"/>
-              <a:ea typeface="微軟正黑體" pitchFamily="34" charset="-120"/>
+              <a:latin typeface="Microsoft JhengHei" panose="020B0604030504040204" pitchFamily="34" charset="-120"/>
+              <a:ea typeface="Microsoft JhengHei" panose="020B0604030504040204" pitchFamily="34" charset="-120"/>
             </a:endParaRPr>
           </a:p>
-          <a:p>
-            <a:pPr algn="ctr">
-              <a:buNone/>
-            </a:pPr>
-            <a:r>
-              <a:rPr lang="zh-TW" altLang="en-US" sz="5400" b="1" dirty="0" smtClean="0">
-                <a:solidFill>
-                  <a:srgbClr val="000066"/>
-                </a:solidFill>
-                <a:latin typeface="微軟正黑體" pitchFamily="34" charset="-120"/>
-                <a:ea typeface="微軟正黑體" pitchFamily="34" charset="-120"/>
-              </a:rPr>
-              <a:t>就</a:t>
-            </a:r>
-            <a:r>
-              <a:rPr lang="zh-TW" altLang="en-US" sz="5400" b="1" dirty="0" smtClean="0">
-                <a:solidFill>
-                  <a:srgbClr val="000066"/>
-                </a:solidFill>
-                <a:latin typeface="微軟正黑體" pitchFamily="34" charset="-120"/>
-                <a:ea typeface="微軟正黑體" pitchFamily="34" charset="-120"/>
-              </a:rPr>
-              <a:t>在</a:t>
-            </a:r>
-            <a:r>
-              <a:rPr lang="zh-TW" altLang="en-US" sz="5400" b="1" dirty="0" smtClean="0">
-                <a:solidFill>
-                  <a:srgbClr val="000066"/>
-                </a:solidFill>
-                <a:latin typeface="微軟正黑體" pitchFamily="34" charset="-120"/>
-                <a:ea typeface="微軟正黑體" pitchFamily="34" charset="-120"/>
-              </a:rPr>
-              <a:t>那裡</a:t>
-            </a:r>
-            <a:endParaRPr lang="en-US" altLang="zh-TW" sz="5400" b="1" dirty="0" smtClean="0">
-              <a:solidFill>
-                <a:srgbClr val="000066"/>
-              </a:solidFill>
-              <a:latin typeface="微軟正黑體" pitchFamily="34" charset="-120"/>
-              <a:ea typeface="微軟正黑體" pitchFamily="34" charset="-120"/>
-            </a:endParaRPr>
-          </a:p>
-          <a:p>
-            <a:pPr algn="ctr">
-              <a:buNone/>
-            </a:pPr>
-            <a:r>
-              <a:rPr lang="zh-TW" altLang="en-US" sz="5400" b="1" dirty="0" smtClean="0">
-                <a:solidFill>
-                  <a:srgbClr val="000066"/>
-                </a:solidFill>
-                <a:latin typeface="微軟正黑體" pitchFamily="34" charset="-120"/>
-                <a:ea typeface="微軟正黑體" pitchFamily="34" charset="-120"/>
-              </a:rPr>
-              <a:t>你</a:t>
-            </a:r>
-            <a:r>
-              <a:rPr lang="zh-TW" altLang="en-US" sz="5400" b="1" dirty="0" smtClean="0">
-                <a:solidFill>
-                  <a:srgbClr val="000066"/>
-                </a:solidFill>
-                <a:latin typeface="微軟正黑體" pitchFamily="34" charset="-120"/>
-                <a:ea typeface="微軟正黑體" pitchFamily="34" charset="-120"/>
-              </a:rPr>
-              <a:t>的雙手也必引導我</a:t>
-            </a:r>
-            <a:endParaRPr lang="en-US" altLang="zh-TW" sz="5400" b="1" dirty="0" smtClean="0">
-              <a:solidFill>
-                <a:srgbClr val="000066"/>
-              </a:solidFill>
-              <a:latin typeface="微軟正黑體" pitchFamily="34" charset="-120"/>
-              <a:ea typeface="微軟正黑體" pitchFamily="34" charset="-120"/>
-            </a:endParaRPr>
-          </a:p>
-        </p:txBody>
-      </p:sp>
-      <p:sp>
-        <p:nvSpPr>
-          <p:cNvPr id="7" name="標題 3"/>
-          <p:cNvSpPr txBox="1">
-            <a:spLocks/>
-          </p:cNvSpPr>
-          <p:nvPr/>
+        </p:txBody>
+      </p:sp>
+    </p:spTree>
+    <p:extLst>
+      <p:ext uri="{BB962C8B-B14F-4D97-AF65-F5344CB8AC3E}">
+        <p14:creationId xmlns:p14="http://schemas.microsoft.com/office/powerpoint/2010/main" val="2996515440"/>
+      </p:ext>
+    </p:extLst>
+  </p:cSld>
+  <p:clrMapOvr>
+    <a:masterClrMapping/>
+  </p:clrMapOvr>
+</p:sld>
+</file>
+
+<file path=ppt/slides/slide6.xml><?xml version="1.0" encoding="utf-8"?>
+<p:sld xmlns:a="http://schemas.openxmlformats.org/drawingml/2006/main" xmlns:r="http://schemas.openxmlformats.org/officeDocument/2006/relationships" xmlns:p="http://schemas.openxmlformats.org/presentationml/2006/main">
+  <p:cSld>
+    <p:spTree>
+      <p:nvGrpSpPr>
+        <p:cNvPr id="1" name=""/>
+        <p:cNvGrpSpPr/>
+        <p:nvPr/>
+      </p:nvGrpSpPr>
+      <p:grpSpPr>
+        <a:xfrm>
+          <a:off x="0" y="0"/>
+          <a:ext cx="0" cy="0"/>
+          <a:chOff x="0" y="0"/>
+          <a:chExt cx="0" cy="0"/>
+        </a:xfrm>
+      </p:grpSpPr>
+      <p:sp>
+        <p:nvSpPr>
+          <p:cNvPr id="5" name="內容版面配置區 4"/>
+          <p:cNvSpPr>
+            <a:spLocks noGrp="1"/>
+          </p:cNvSpPr>
+          <p:nvPr>
+            <p:ph idx="1"/>
+          </p:nvPr>
         </p:nvSpPr>
         <p:spPr>
           <a:xfrm>
-            <a:off x="0" y="6429396"/>
-            <a:ext cx="1857356" cy="428604"/>
+            <a:off x="0" y="2084851"/>
+            <a:ext cx="12192000" cy="2404863"/>
           </a:xfrm>
-          <a:prstGeom prst="rect">
-            <a:avLst/>
-          </a:prstGeom>
         </p:spPr>
         <p:txBody>
-          <a:bodyPr vert="horz" lIns="91440" tIns="45720" rIns="91440" bIns="45720" rtlCol="0" anchor="ctr">
-            <a:normAutofit/>
+          <a:bodyPr anchor="ctr">
+            <a:noAutofit/>
           </a:bodyPr>
           <a:lstStyle/>
           <a:p>
-            <a:pPr marL="0" marR="0" lvl="0" indent="0" algn="ctr" defTabSz="914400" rtl="0" eaLnBrk="1" fontAlgn="auto" latinLnBrk="0" hangingPunct="1">
-              <a:lnSpc>
-                <a:spcPct val="100000"/>
-              </a:lnSpc>
-              <a:spcBef>
-                <a:spcPct val="0"/>
-              </a:spcBef>
-              <a:spcAft>
-                <a:spcPts val="0"/>
-              </a:spcAft>
-              <a:buClrTx/>
-              <a:buSzTx/>
-              <a:buFontTx/>
-              <a:buNone/>
-              <a:tabLst/>
-              <a:defRPr/>
+            <a:pPr algn="ctr">
+              <a:buNone/>
             </a:pPr>
             <a:r>
-              <a:rPr kumimoji="0" lang="zh-TW" altLang="en-US" sz="1500" b="1" i="0" u="none" strike="noStrike" kern="1200" cap="none" spc="0" normalizeH="0" baseline="0" noProof="0" dirty="0" smtClean="0">
-                <a:ln>
-                  <a:noFill/>
-                </a:ln>
-                <a:solidFill>
-                  <a:srgbClr val="000066"/>
-                </a:solidFill>
-                <a:effectLst/>
-                <a:uLnTx/>
-                <a:uFillTx/>
-                <a:latin typeface="微軟正黑體" pitchFamily="34" charset="-120"/>
-                <a:ea typeface="微軟正黑體" pitchFamily="34" charset="-120"/>
-                <a:cs typeface="+mj-cs"/>
-              </a:rPr>
-              <a:t>展開清晨的翅膀</a:t>
-            </a:r>
-            <a:r>
-              <a:rPr kumimoji="0" lang="en-US" altLang="zh-TW" sz="1500" b="1" i="0" u="none" strike="noStrike" kern="1200" cap="none" spc="0" normalizeH="0" baseline="0" noProof="0" smtClean="0">
-                <a:ln>
-                  <a:noFill/>
-                </a:ln>
-                <a:solidFill>
-                  <a:srgbClr val="000066"/>
-                </a:solidFill>
-                <a:effectLst/>
-                <a:uLnTx/>
-                <a:uFillTx/>
-                <a:latin typeface="微軟正黑體" pitchFamily="34" charset="-120"/>
-                <a:ea typeface="微軟正黑體" pitchFamily="34" charset="-120"/>
-                <a:cs typeface="+mj-cs"/>
-              </a:rPr>
-              <a:t>5/5</a:t>
-            </a:r>
-            <a:endParaRPr kumimoji="0" lang="zh-TW" altLang="en-US" sz="1500" b="0" i="0" u="none" strike="noStrike" kern="1200" cap="none" spc="0" normalizeH="0" baseline="0" noProof="0" dirty="0">
-              <a:ln>
-                <a:noFill/>
-              </a:ln>
+              <a:rPr lang="zh-TW" altLang="en-US" sz="6400" b="1" dirty="0">
+                <a:solidFill>
+                  <a:srgbClr val="660033"/>
+                </a:solidFill>
+                <a:latin typeface="Microsoft JhengHei" panose="020B0604030504040204" pitchFamily="34" charset="-120"/>
+                <a:ea typeface="Microsoft JhengHei" panose="020B0604030504040204" pitchFamily="34" charset="-120"/>
+              </a:rPr>
+              <a:t>這樣的奇妙</a:t>
+            </a:r>
+            <a:endParaRPr lang="en-US" altLang="zh-TW" sz="6400" b="1" dirty="0">
               <a:solidFill>
-                <a:srgbClr val="000066"/>
+                <a:srgbClr val="660033"/>
               </a:solidFill>
-              <a:effectLst/>
-              <a:uLnTx/>
-              <a:uFillTx/>
-              <a:latin typeface="微軟正黑體" pitchFamily="34" charset="-120"/>
-              <a:ea typeface="微軟正黑體" pitchFamily="34" charset="-120"/>
-              <a:cs typeface="+mj-cs"/>
+              <a:latin typeface="Microsoft JhengHei" panose="020B0604030504040204" pitchFamily="34" charset="-120"/>
+              <a:ea typeface="Microsoft JhengHei" panose="020B0604030504040204" pitchFamily="34" charset="-120"/>
             </a:endParaRPr>
           </a:p>
+          <a:p>
+            <a:pPr algn="ctr">
+              <a:buNone/>
+            </a:pPr>
+            <a:r>
+              <a:rPr lang="zh-TW" altLang="en-US" sz="6400" b="1" dirty="0">
+                <a:solidFill>
+                  <a:srgbClr val="660033"/>
+                </a:solidFill>
+                <a:latin typeface="Microsoft JhengHei" panose="020B0604030504040204" pitchFamily="34" charset="-120"/>
+                <a:ea typeface="Microsoft JhengHei" panose="020B0604030504040204" pitchFamily="34" charset="-120"/>
+              </a:rPr>
+              <a:t>是我不能測透</a:t>
+            </a:r>
+            <a:endParaRPr lang="en-US" altLang="zh-TW" sz="6400" b="1" dirty="0">
+              <a:solidFill>
+                <a:srgbClr val="660033"/>
+              </a:solidFill>
+              <a:latin typeface="Microsoft JhengHei" panose="020B0604030504040204" pitchFamily="34" charset="-120"/>
+              <a:ea typeface="Microsoft JhengHei" panose="020B0604030504040204" pitchFamily="34" charset="-120"/>
+            </a:endParaRPr>
+          </a:p>
         </p:txBody>
       </p:sp>
     </p:spTree>
+    <p:extLst>
+      <p:ext uri="{BB962C8B-B14F-4D97-AF65-F5344CB8AC3E}">
+        <p14:creationId xmlns:p14="http://schemas.microsoft.com/office/powerpoint/2010/main" val="3889150604"/>
+      </p:ext>
+    </p:extLst>
+  </p:cSld>
+  <p:clrMapOvr>
+    <a:masterClrMapping/>
+  </p:clrMapOvr>
+</p:sld>
+</file>
+
+<file path=ppt/slides/slide7.xml><?xml version="1.0" encoding="utf-8"?>
+<p:sld xmlns:a="http://schemas.openxmlformats.org/drawingml/2006/main" xmlns:r="http://schemas.openxmlformats.org/officeDocument/2006/relationships" xmlns:p="http://schemas.openxmlformats.org/presentationml/2006/main">
+  <p:cSld>
+    <p:spTree>
+      <p:nvGrpSpPr>
+        <p:cNvPr id="1" name=""/>
+        <p:cNvGrpSpPr/>
+        <p:nvPr/>
+      </p:nvGrpSpPr>
+      <p:grpSpPr>
+        <a:xfrm>
+          <a:off x="0" y="0"/>
+          <a:ext cx="0" cy="0"/>
+          <a:chOff x="0" y="0"/>
+          <a:chExt cx="0" cy="0"/>
+        </a:xfrm>
+      </p:grpSpPr>
+      <p:sp>
+        <p:nvSpPr>
+          <p:cNvPr id="5" name="內容版面配置區 4"/>
+          <p:cNvSpPr>
+            <a:spLocks noGrp="1"/>
+          </p:cNvSpPr>
+          <p:nvPr>
+            <p:ph idx="1"/>
+          </p:nvPr>
+        </p:nvSpPr>
+        <p:spPr>
+          <a:xfrm>
+            <a:off x="0" y="2084851"/>
+            <a:ext cx="12192000" cy="2404863"/>
+          </a:xfrm>
+        </p:spPr>
+        <p:txBody>
+          <a:bodyPr anchor="ctr">
+            <a:noAutofit/>
+          </a:bodyPr>
+          <a:lstStyle/>
+          <a:p>
+            <a:pPr algn="ctr">
+              <a:buNone/>
+            </a:pPr>
+            <a:r>
+              <a:rPr lang="zh-CN" altLang="en-US" sz="6400" b="1" dirty="0">
+                <a:solidFill>
+                  <a:srgbClr val="660033"/>
+                </a:solidFill>
+                <a:latin typeface="Microsoft JhengHei" panose="020B0604030504040204" pitchFamily="34" charset="-120"/>
+                <a:ea typeface="Microsoft JhengHei" panose="020B0604030504040204" pitchFamily="34" charset="-120"/>
+              </a:rPr>
+              <a:t>袮</a:t>
+            </a:r>
+            <a:r>
+              <a:rPr lang="zh-TW" altLang="en-US" sz="6400" b="1" dirty="0" smtClean="0">
+                <a:solidFill>
+                  <a:srgbClr val="660033"/>
+                </a:solidFill>
+                <a:latin typeface="Microsoft JhengHei" panose="020B0604030504040204" pitchFamily="34" charset="-120"/>
+                <a:ea typeface="Microsoft JhengHei" panose="020B0604030504040204" pitchFamily="34" charset="-120"/>
+              </a:rPr>
+              <a:t>的</a:t>
+            </a:r>
+            <a:r>
+              <a:rPr lang="zh-TW" altLang="en-US" sz="6400" b="1" dirty="0">
+                <a:solidFill>
+                  <a:srgbClr val="660033"/>
+                </a:solidFill>
+                <a:latin typeface="Microsoft JhengHei" panose="020B0604030504040204" pitchFamily="34" charset="-120"/>
+                <a:ea typeface="Microsoft JhengHei" panose="020B0604030504040204" pitchFamily="34" charset="-120"/>
+              </a:rPr>
+              <a:t>至</a:t>
+            </a:r>
+            <a:r>
+              <a:rPr lang="zh-TW" altLang="en-US" sz="6400" b="1" dirty="0" smtClean="0">
+                <a:solidFill>
+                  <a:srgbClr val="660033"/>
+                </a:solidFill>
+                <a:latin typeface="Microsoft JhengHei" panose="020B0604030504040204" pitchFamily="34" charset="-120"/>
+                <a:ea typeface="Microsoft JhengHei" panose="020B0604030504040204" pitchFamily="34" charset="-120"/>
+              </a:rPr>
+              <a:t>高</a:t>
+            </a:r>
+            <a:r>
+              <a:rPr lang="zh-CN" altLang="en-US" sz="6400" b="1" dirty="0">
+                <a:solidFill>
+                  <a:srgbClr val="660033"/>
+                </a:solidFill>
+                <a:latin typeface="Microsoft JhengHei" panose="020B0604030504040204" pitchFamily="34" charset="-120"/>
+                <a:ea typeface="Microsoft JhengHei" panose="020B0604030504040204" pitchFamily="34" charset="-120"/>
+              </a:rPr>
+              <a:t>袮</a:t>
+            </a:r>
+            <a:r>
+              <a:rPr lang="zh-TW" altLang="en-US" sz="6400" b="1" dirty="0" smtClean="0">
+                <a:solidFill>
+                  <a:srgbClr val="660033"/>
+                </a:solidFill>
+                <a:latin typeface="Microsoft JhengHei" panose="020B0604030504040204" pitchFamily="34" charset="-120"/>
+                <a:ea typeface="Microsoft JhengHei" panose="020B0604030504040204" pitchFamily="34" charset="-120"/>
+              </a:rPr>
+              <a:t>的</a:t>
+            </a:r>
+            <a:r>
+              <a:rPr lang="zh-TW" altLang="en-US" sz="6400" b="1" dirty="0">
+                <a:solidFill>
+                  <a:srgbClr val="660033"/>
+                </a:solidFill>
+                <a:latin typeface="Microsoft JhengHei" panose="020B0604030504040204" pitchFamily="34" charset="-120"/>
+                <a:ea typeface="Microsoft JhengHei" panose="020B0604030504040204" pitchFamily="34" charset="-120"/>
+              </a:rPr>
+              <a:t>尊貴</a:t>
+            </a:r>
+            <a:endParaRPr lang="en-US" altLang="zh-TW" sz="6400" b="1" dirty="0">
+              <a:solidFill>
+                <a:srgbClr val="660033"/>
+              </a:solidFill>
+              <a:latin typeface="Microsoft JhengHei" panose="020B0604030504040204" pitchFamily="34" charset="-120"/>
+              <a:ea typeface="Microsoft JhengHei" panose="020B0604030504040204" pitchFamily="34" charset="-120"/>
+            </a:endParaRPr>
+          </a:p>
+          <a:p>
+            <a:pPr algn="ctr">
+              <a:buNone/>
+            </a:pPr>
+            <a:r>
+              <a:rPr lang="zh-TW" altLang="en-US" sz="6400" b="1" dirty="0">
+                <a:solidFill>
+                  <a:srgbClr val="660033"/>
+                </a:solidFill>
+                <a:latin typeface="Microsoft JhengHei" panose="020B0604030504040204" pitchFamily="34" charset="-120"/>
+                <a:ea typeface="Microsoft JhengHei" panose="020B0604030504040204" pitchFamily="34" charset="-120"/>
+              </a:rPr>
+              <a:t>是我永遠不能所及</a:t>
+            </a:r>
+            <a:endParaRPr lang="en-US" altLang="zh-TW" sz="6400" b="1" dirty="0">
+              <a:solidFill>
+                <a:srgbClr val="660033"/>
+              </a:solidFill>
+              <a:latin typeface="Microsoft JhengHei" panose="020B0604030504040204" pitchFamily="34" charset="-120"/>
+              <a:ea typeface="Microsoft JhengHei" panose="020B0604030504040204" pitchFamily="34" charset="-120"/>
+            </a:endParaRPr>
+          </a:p>
+        </p:txBody>
+      </p:sp>
+    </p:spTree>
+    <p:extLst>
+      <p:ext uri="{BB962C8B-B14F-4D97-AF65-F5344CB8AC3E}">
+        <p14:creationId xmlns:p14="http://schemas.microsoft.com/office/powerpoint/2010/main" val="4103513756"/>
+      </p:ext>
+    </p:extLst>
+  </p:cSld>
+  <p:clrMapOvr>
+    <a:masterClrMapping/>
+  </p:clrMapOvr>
+</p:sld>
+</file>
+
+<file path=ppt/slides/slide8.xml><?xml version="1.0" encoding="utf-8"?>
+<p:sld xmlns:a="http://schemas.openxmlformats.org/drawingml/2006/main" xmlns:r="http://schemas.openxmlformats.org/officeDocument/2006/relationships" xmlns:p="http://schemas.openxmlformats.org/presentationml/2006/main">
+  <p:cSld>
+    <p:spTree>
+      <p:nvGrpSpPr>
+        <p:cNvPr id="1" name=""/>
+        <p:cNvGrpSpPr/>
+        <p:nvPr/>
+      </p:nvGrpSpPr>
+      <p:grpSpPr>
+        <a:xfrm>
+          <a:off x="0" y="0"/>
+          <a:ext cx="0" cy="0"/>
+          <a:chOff x="0" y="0"/>
+          <a:chExt cx="0" cy="0"/>
+        </a:xfrm>
+      </p:grpSpPr>
+      <p:sp>
+        <p:nvSpPr>
+          <p:cNvPr id="5" name="內容版面配置區 4"/>
+          <p:cNvSpPr>
+            <a:spLocks noGrp="1"/>
+          </p:cNvSpPr>
+          <p:nvPr>
+            <p:ph idx="1"/>
+          </p:nvPr>
+        </p:nvSpPr>
+        <p:spPr>
+          <a:xfrm>
+            <a:off x="0" y="2084851"/>
+            <a:ext cx="12192000" cy="2404863"/>
+          </a:xfrm>
+        </p:spPr>
+        <p:txBody>
+          <a:bodyPr anchor="ctr">
+            <a:noAutofit/>
+          </a:bodyPr>
+          <a:lstStyle/>
+          <a:p>
+            <a:pPr algn="ctr">
+              <a:buNone/>
+            </a:pPr>
+            <a:r>
+              <a:rPr lang="zh-TW" altLang="en-US" sz="6400" b="1" dirty="0">
+                <a:solidFill>
+                  <a:srgbClr val="660033"/>
+                </a:solidFill>
+                <a:latin typeface="Microsoft JhengHei" panose="020B0604030504040204" pitchFamily="34" charset="-120"/>
+                <a:ea typeface="Microsoft JhengHei" panose="020B0604030504040204" pitchFamily="34" charset="-120"/>
+              </a:rPr>
+              <a:t>我可以往哪</a:t>
+            </a:r>
+            <a:r>
+              <a:rPr lang="zh-TW" altLang="en-US" sz="6400" b="1" dirty="0">
+                <a:solidFill>
+                  <a:srgbClr val="660033"/>
+                </a:solidFill>
+                <a:latin typeface="Microsoft JhengHei" panose="020B0604030504040204" pitchFamily="34" charset="-120"/>
+                <a:ea typeface="Microsoft JhengHei" panose="020B0604030504040204" pitchFamily="34" charset="-120"/>
+              </a:rPr>
+              <a:t>裡</a:t>
+            </a:r>
+            <a:endParaRPr lang="en-US" altLang="zh-TW" sz="6400" b="1" dirty="0">
+              <a:solidFill>
+                <a:srgbClr val="660033"/>
+              </a:solidFill>
+              <a:latin typeface="Microsoft JhengHei" panose="020B0604030504040204" pitchFamily="34" charset="-120"/>
+              <a:ea typeface="Microsoft JhengHei" panose="020B0604030504040204" pitchFamily="34" charset="-120"/>
+            </a:endParaRPr>
+          </a:p>
+          <a:p>
+            <a:pPr algn="ctr">
+              <a:buNone/>
+            </a:pPr>
+            <a:r>
+              <a:rPr lang="zh-TW" altLang="en-US" sz="6400" b="1" dirty="0">
+                <a:solidFill>
+                  <a:srgbClr val="660033"/>
+                </a:solidFill>
+                <a:latin typeface="Microsoft JhengHei" panose="020B0604030504040204" pitchFamily="34" charset="-120"/>
+                <a:ea typeface="Microsoft JhengHei" panose="020B0604030504040204" pitchFamily="34" charset="-120"/>
+              </a:rPr>
+              <a:t>去</a:t>
+            </a:r>
+            <a:r>
+              <a:rPr lang="zh-TW" altLang="en-US" sz="6400" b="1" dirty="0">
+                <a:solidFill>
+                  <a:srgbClr val="660033"/>
+                </a:solidFill>
+                <a:latin typeface="Microsoft JhengHei" panose="020B0604030504040204" pitchFamily="34" charset="-120"/>
+                <a:ea typeface="Microsoft JhengHei" panose="020B0604030504040204" pitchFamily="34" charset="-120"/>
+              </a:rPr>
+              <a:t>躲</a:t>
+            </a:r>
+            <a:r>
+              <a:rPr lang="zh-TW" altLang="en-US" sz="6400" b="1" dirty="0" smtClean="0">
+                <a:solidFill>
+                  <a:srgbClr val="660033"/>
+                </a:solidFill>
+                <a:latin typeface="Microsoft JhengHei" panose="020B0604030504040204" pitchFamily="34" charset="-120"/>
+                <a:ea typeface="Microsoft JhengHei" panose="020B0604030504040204" pitchFamily="34" charset="-120"/>
+              </a:rPr>
+              <a:t>避</a:t>
+            </a:r>
+            <a:r>
+              <a:rPr lang="zh-CN" altLang="en-US" sz="6400" b="1" dirty="0">
+                <a:solidFill>
+                  <a:srgbClr val="660033"/>
+                </a:solidFill>
+                <a:latin typeface="Microsoft JhengHei" panose="020B0604030504040204" pitchFamily="34" charset="-120"/>
+                <a:ea typeface="Microsoft JhengHei" panose="020B0604030504040204" pitchFamily="34" charset="-120"/>
+              </a:rPr>
+              <a:t>袮</a:t>
+            </a:r>
+            <a:r>
+              <a:rPr lang="zh-TW" altLang="en-US" sz="6400" b="1" dirty="0" smtClean="0">
+                <a:solidFill>
+                  <a:srgbClr val="660033"/>
+                </a:solidFill>
+                <a:latin typeface="Microsoft JhengHei" panose="020B0604030504040204" pitchFamily="34" charset="-120"/>
+                <a:ea typeface="Microsoft JhengHei" panose="020B0604030504040204" pitchFamily="34" charset="-120"/>
+              </a:rPr>
+              <a:t>的</a:t>
+            </a:r>
+            <a:r>
+              <a:rPr lang="zh-TW" altLang="en-US" sz="6400" b="1" dirty="0">
+                <a:solidFill>
+                  <a:srgbClr val="660033"/>
+                </a:solidFill>
+                <a:latin typeface="Microsoft JhengHei" panose="020B0604030504040204" pitchFamily="34" charset="-120"/>
+                <a:ea typeface="Microsoft JhengHei" panose="020B0604030504040204" pitchFamily="34" charset="-120"/>
+              </a:rPr>
+              <a:t>靈</a:t>
+            </a:r>
+            <a:endParaRPr lang="en-US" altLang="zh-TW" sz="6400" b="1" dirty="0">
+              <a:solidFill>
+                <a:srgbClr val="660033"/>
+              </a:solidFill>
+              <a:latin typeface="Microsoft JhengHei" panose="020B0604030504040204" pitchFamily="34" charset="-120"/>
+              <a:ea typeface="Microsoft JhengHei" panose="020B0604030504040204" pitchFamily="34" charset="-120"/>
+            </a:endParaRPr>
+          </a:p>
+        </p:txBody>
+      </p:sp>
+    </p:spTree>
+    <p:extLst>
+      <p:ext uri="{BB962C8B-B14F-4D97-AF65-F5344CB8AC3E}">
+        <p14:creationId xmlns:p14="http://schemas.microsoft.com/office/powerpoint/2010/main" val="3631734405"/>
+      </p:ext>
+    </p:extLst>
+  </p:cSld>
+  <p:clrMapOvr>
+    <a:masterClrMapping/>
+  </p:clrMapOvr>
+</p:sld>
+</file>
+
+<file path=ppt/slides/slide9.xml><?xml version="1.0" encoding="utf-8"?>
+<p:sld xmlns:a="http://schemas.openxmlformats.org/drawingml/2006/main" xmlns:r="http://schemas.openxmlformats.org/officeDocument/2006/relationships" xmlns:p="http://schemas.openxmlformats.org/presentationml/2006/main">
+  <p:cSld>
+    <p:spTree>
+      <p:nvGrpSpPr>
+        <p:cNvPr id="1" name=""/>
+        <p:cNvGrpSpPr/>
+        <p:nvPr/>
+      </p:nvGrpSpPr>
+      <p:grpSpPr>
+        <a:xfrm>
+          <a:off x="0" y="0"/>
+          <a:ext cx="0" cy="0"/>
+          <a:chOff x="0" y="0"/>
+          <a:chExt cx="0" cy="0"/>
+        </a:xfrm>
+      </p:grpSpPr>
+      <p:sp>
+        <p:nvSpPr>
+          <p:cNvPr id="5" name="內容版面配置區 4"/>
+          <p:cNvSpPr>
+            <a:spLocks noGrp="1"/>
+          </p:cNvSpPr>
+          <p:nvPr>
+            <p:ph idx="1"/>
+          </p:nvPr>
+        </p:nvSpPr>
+        <p:spPr>
+          <a:xfrm>
+            <a:off x="0" y="2084851"/>
+            <a:ext cx="12192000" cy="2404863"/>
+          </a:xfrm>
+        </p:spPr>
+        <p:txBody>
+          <a:bodyPr anchor="ctr">
+            <a:noAutofit/>
+          </a:bodyPr>
+          <a:lstStyle/>
+          <a:p>
+            <a:pPr algn="ctr">
+              <a:buNone/>
+            </a:pPr>
+            <a:r>
+              <a:rPr lang="zh-TW" altLang="en-US" sz="6400" b="1" dirty="0">
+                <a:solidFill>
+                  <a:srgbClr val="660033"/>
+                </a:solidFill>
+                <a:latin typeface="Microsoft JhengHei" panose="020B0604030504040204" pitchFamily="34" charset="-120"/>
+                <a:ea typeface="Microsoft JhengHei" panose="020B0604030504040204" pitchFamily="34" charset="-120"/>
+              </a:rPr>
+              <a:t>我可以往哪裡去逃</a:t>
+            </a:r>
+            <a:endParaRPr lang="en-US" altLang="zh-TW" sz="6400" b="1" dirty="0">
+              <a:solidFill>
+                <a:srgbClr val="660033"/>
+              </a:solidFill>
+              <a:latin typeface="Microsoft JhengHei" panose="020B0604030504040204" pitchFamily="34" charset="-120"/>
+              <a:ea typeface="Microsoft JhengHei" panose="020B0604030504040204" pitchFamily="34" charset="-120"/>
+            </a:endParaRPr>
+          </a:p>
+          <a:p>
+            <a:pPr algn="ctr">
+              <a:buNone/>
+            </a:pPr>
+            <a:r>
+              <a:rPr lang="zh-TW" altLang="en-US" sz="6400" b="1" dirty="0">
+                <a:solidFill>
+                  <a:srgbClr val="660033"/>
+                </a:solidFill>
+                <a:latin typeface="Microsoft JhengHei" panose="020B0604030504040204" pitchFamily="34" charset="-120"/>
+                <a:ea typeface="Microsoft JhengHei" panose="020B0604030504040204" pitchFamily="34" charset="-120"/>
+              </a:rPr>
+              <a:t>可躲</a:t>
+            </a:r>
+            <a:r>
+              <a:rPr lang="zh-TW" altLang="en-US" sz="6400" b="1" dirty="0" smtClean="0">
+                <a:solidFill>
+                  <a:srgbClr val="660033"/>
+                </a:solidFill>
+                <a:latin typeface="Microsoft JhengHei" panose="020B0604030504040204" pitchFamily="34" charset="-120"/>
+                <a:ea typeface="Microsoft JhengHei" panose="020B0604030504040204" pitchFamily="34" charset="-120"/>
+              </a:rPr>
+              <a:t>避</a:t>
+            </a:r>
+            <a:r>
+              <a:rPr lang="zh-CN" altLang="en-US" sz="6400" b="1" dirty="0">
+                <a:solidFill>
+                  <a:srgbClr val="660033"/>
+                </a:solidFill>
+                <a:latin typeface="Microsoft JhengHei" panose="020B0604030504040204" pitchFamily="34" charset="-120"/>
+                <a:ea typeface="Microsoft JhengHei" panose="020B0604030504040204" pitchFamily="34" charset="-120"/>
+              </a:rPr>
+              <a:t>袮</a:t>
+            </a:r>
+            <a:r>
+              <a:rPr lang="zh-TW" altLang="en-US" sz="6400" b="1" dirty="0" smtClean="0">
+                <a:solidFill>
+                  <a:srgbClr val="660033"/>
+                </a:solidFill>
+                <a:latin typeface="Microsoft JhengHei" panose="020B0604030504040204" pitchFamily="34" charset="-120"/>
+                <a:ea typeface="Microsoft JhengHei" panose="020B0604030504040204" pitchFamily="34" charset="-120"/>
+              </a:rPr>
+              <a:t>的</a:t>
+            </a:r>
+            <a:r>
+              <a:rPr lang="zh-TW" altLang="en-US" sz="6400" b="1" dirty="0">
+                <a:solidFill>
+                  <a:srgbClr val="660033"/>
+                </a:solidFill>
+                <a:latin typeface="Microsoft JhengHei" panose="020B0604030504040204" pitchFamily="34" charset="-120"/>
+                <a:ea typeface="Microsoft JhengHei" panose="020B0604030504040204" pitchFamily="34" charset="-120"/>
+              </a:rPr>
+              <a:t>面</a:t>
+            </a:r>
+            <a:endParaRPr lang="en-US" altLang="zh-TW" sz="6400" b="1" dirty="0">
+              <a:solidFill>
+                <a:srgbClr val="660033"/>
+              </a:solidFill>
+              <a:latin typeface="Microsoft JhengHei" panose="020B0604030504040204" pitchFamily="34" charset="-120"/>
+              <a:ea typeface="Microsoft JhengHei" panose="020B0604030504040204" pitchFamily="34" charset="-120"/>
+            </a:endParaRPr>
+          </a:p>
+        </p:txBody>
+      </p:sp>
+    </p:spTree>
+    <p:extLst>
+      <p:ext uri="{BB962C8B-B14F-4D97-AF65-F5344CB8AC3E}">
+        <p14:creationId xmlns:p14="http://schemas.microsoft.com/office/powerpoint/2010/main" val="536771512"/>
+      </p:ext>
+    </p:extLst>
   </p:cSld>
   <p:clrMapOvr>
     <a:masterClrMapping/>

--- a/展開清晨的翅膀(崇拜版).pptx
+++ b/展開清晨的翅膀(崇拜版).pptx
@@ -13,8 +13,7 @@
     <p:sldId id="261" r:id="rId7"/>
     <p:sldId id="262" r:id="rId8"/>
     <p:sldId id="263" r:id="rId9"/>
-    <p:sldId id="264" r:id="rId10"/>
-    <p:sldId id="265" r:id="rId11"/>
+    <p:sldId id="265" r:id="rId10"/>
   </p:sldIdLst>
   <p:sldSz cx="12192000" cy="6858000"/>
   <p:notesSz cx="6858000" cy="9144000"/>
@@ -313,7 +312,7 @@
           <a:p>
             <a:fld id="{94FCA51A-FC6C-4B06-8AEA-4826E3E9CB8A}" type="datetimeFigureOut">
               <a:rPr lang="zh-TW" altLang="en-US" smtClean="0"/>
-              <a:t>2020/12/30</a:t>
+              <a:t>2023/10/28</a:t>
             </a:fld>
             <a:endParaRPr lang="zh-TW" altLang="en-US"/>
           </a:p>
@@ -478,7 +477,7 @@
           <a:p>
             <a:fld id="{94FCA51A-FC6C-4B06-8AEA-4826E3E9CB8A}" type="datetimeFigureOut">
               <a:rPr lang="zh-TW" altLang="en-US" smtClean="0"/>
-              <a:t>2020/12/30</a:t>
+              <a:t>2023/10/28</a:t>
             </a:fld>
             <a:endParaRPr lang="zh-TW" altLang="en-US"/>
           </a:p>
@@ -653,7 +652,7 @@
           <a:p>
             <a:fld id="{94FCA51A-FC6C-4B06-8AEA-4826E3E9CB8A}" type="datetimeFigureOut">
               <a:rPr lang="zh-TW" altLang="en-US" smtClean="0"/>
-              <a:t>2020/12/30</a:t>
+              <a:t>2023/10/28</a:t>
             </a:fld>
             <a:endParaRPr lang="zh-TW" altLang="en-US"/>
           </a:p>
@@ -818,7 +817,7 @@
           <a:p>
             <a:fld id="{94FCA51A-FC6C-4B06-8AEA-4826E3E9CB8A}" type="datetimeFigureOut">
               <a:rPr lang="zh-TW" altLang="en-US" smtClean="0"/>
-              <a:t>2020/12/30</a:t>
+              <a:t>2023/10/28</a:t>
             </a:fld>
             <a:endParaRPr lang="zh-TW" altLang="en-US"/>
           </a:p>
@@ -1059,7 +1058,7 @@
           <a:p>
             <a:fld id="{94FCA51A-FC6C-4B06-8AEA-4826E3E9CB8A}" type="datetimeFigureOut">
               <a:rPr lang="zh-TW" altLang="en-US" smtClean="0"/>
-              <a:t>2020/12/30</a:t>
+              <a:t>2023/10/28</a:t>
             </a:fld>
             <a:endParaRPr lang="zh-TW" altLang="en-US"/>
           </a:p>
@@ -1342,7 +1341,7 @@
           <a:p>
             <a:fld id="{94FCA51A-FC6C-4B06-8AEA-4826E3E9CB8A}" type="datetimeFigureOut">
               <a:rPr lang="zh-TW" altLang="en-US" smtClean="0"/>
-              <a:t>2020/12/30</a:t>
+              <a:t>2023/10/28</a:t>
             </a:fld>
             <a:endParaRPr lang="zh-TW" altLang="en-US"/>
           </a:p>
@@ -1759,7 +1758,7 @@
           <a:p>
             <a:fld id="{94FCA51A-FC6C-4B06-8AEA-4826E3E9CB8A}" type="datetimeFigureOut">
               <a:rPr lang="zh-TW" altLang="en-US" smtClean="0"/>
-              <a:t>2020/12/30</a:t>
+              <a:t>2023/10/28</a:t>
             </a:fld>
             <a:endParaRPr lang="zh-TW" altLang="en-US"/>
           </a:p>
@@ -1872,7 +1871,7 @@
           <a:p>
             <a:fld id="{94FCA51A-FC6C-4B06-8AEA-4826E3E9CB8A}" type="datetimeFigureOut">
               <a:rPr lang="zh-TW" altLang="en-US" smtClean="0"/>
-              <a:t>2020/12/30</a:t>
+              <a:t>2023/10/28</a:t>
             </a:fld>
             <a:endParaRPr lang="zh-TW" altLang="en-US"/>
           </a:p>
@@ -1962,7 +1961,7 @@
           <a:p>
             <a:fld id="{94FCA51A-FC6C-4B06-8AEA-4826E3E9CB8A}" type="datetimeFigureOut">
               <a:rPr lang="zh-TW" altLang="en-US" smtClean="0"/>
-              <a:t>2020/12/30</a:t>
+              <a:t>2023/10/28</a:t>
             </a:fld>
             <a:endParaRPr lang="zh-TW" altLang="en-US"/>
           </a:p>
@@ -2234,7 +2233,7 @@
           <a:p>
             <a:fld id="{94FCA51A-FC6C-4B06-8AEA-4826E3E9CB8A}" type="datetimeFigureOut">
               <a:rPr lang="zh-TW" altLang="en-US" smtClean="0"/>
-              <a:t>2020/12/30</a:t>
+              <a:t>2023/10/28</a:t>
             </a:fld>
             <a:endParaRPr lang="zh-TW" altLang="en-US"/>
           </a:p>
@@ -2486,7 +2485,7 @@
           <a:p>
             <a:fld id="{94FCA51A-FC6C-4B06-8AEA-4826E3E9CB8A}" type="datetimeFigureOut">
               <a:rPr lang="zh-TW" altLang="en-US" smtClean="0"/>
-              <a:t>2020/12/30</a:t>
+              <a:t>2023/10/28</a:t>
             </a:fld>
             <a:endParaRPr lang="zh-TW" altLang="en-US"/>
           </a:p>
@@ -2699,7 +2698,7 @@
           <a:p>
             <a:fld id="{94FCA51A-FC6C-4B06-8AEA-4826E3E9CB8A}" type="datetimeFigureOut">
               <a:rPr lang="zh-TW" altLang="en-US" smtClean="0"/>
-              <a:t>2020/12/30</a:t>
+              <a:t>2023/10/28</a:t>
             </a:fld>
             <a:endParaRPr lang="zh-TW" altLang="en-US"/>
           </a:p>
@@ -3141,203 +3140,6 @@
 </p:sld>
 </file>
 
-<file path=ppt/slides/slide10.xml><?xml version="1.0" encoding="utf-8"?>
-<p:sld xmlns:a="http://schemas.openxmlformats.org/drawingml/2006/main" xmlns:r="http://schemas.openxmlformats.org/officeDocument/2006/relationships" xmlns:p="http://schemas.openxmlformats.org/presentationml/2006/main">
-  <p:cSld>
-    <p:spTree>
-      <p:nvGrpSpPr>
-        <p:cNvPr id="1" name=""/>
-        <p:cNvGrpSpPr/>
-        <p:nvPr/>
-      </p:nvGrpSpPr>
-      <p:grpSpPr>
-        <a:xfrm>
-          <a:off x="0" y="0"/>
-          <a:ext cx="0" cy="0"/>
-          <a:chOff x="0" y="0"/>
-          <a:chExt cx="0" cy="0"/>
-        </a:xfrm>
-      </p:grpSpPr>
-      <p:sp>
-        <p:nvSpPr>
-          <p:cNvPr id="5" name="內容版面配置區 4"/>
-          <p:cNvSpPr>
-            <a:spLocks noGrp="1"/>
-          </p:cNvSpPr>
-          <p:nvPr>
-            <p:ph idx="1"/>
-          </p:nvPr>
-        </p:nvSpPr>
-        <p:spPr>
-          <a:xfrm>
-            <a:off x="0" y="2084851"/>
-            <a:ext cx="12192000" cy="2404863"/>
-          </a:xfrm>
-        </p:spPr>
-        <p:txBody>
-          <a:bodyPr anchor="ctr">
-            <a:noAutofit/>
-          </a:bodyPr>
-          <a:lstStyle/>
-          <a:p>
-            <a:pPr algn="ctr">
-              <a:buNone/>
-            </a:pPr>
-            <a:r>
-              <a:rPr lang="zh-TW" altLang="en-US" sz="6400" b="1" dirty="0">
-                <a:solidFill>
-                  <a:srgbClr val="660033"/>
-                </a:solidFill>
-                <a:latin typeface="Microsoft JhengHei" panose="020B0604030504040204" pitchFamily="34" charset="-120"/>
-                <a:ea typeface="Microsoft JhengHei" panose="020B0604030504040204" pitchFamily="34" charset="-120"/>
-              </a:rPr>
-              <a:t>我若展開清晨的翅</a:t>
-            </a:r>
-            <a:r>
-              <a:rPr lang="zh-TW" altLang="en-US" sz="6400" b="1" dirty="0">
-                <a:solidFill>
-                  <a:srgbClr val="660033"/>
-                </a:solidFill>
-                <a:latin typeface="Microsoft JhengHei" panose="020B0604030504040204" pitchFamily="34" charset="-120"/>
-                <a:ea typeface="Microsoft JhengHei" panose="020B0604030504040204" pitchFamily="34" charset="-120"/>
-              </a:rPr>
-              <a:t>膀</a:t>
-            </a:r>
-            <a:r>
-              <a:rPr lang="en-US" altLang="zh-TW" sz="6400" b="1" dirty="0">
-                <a:solidFill>
-                  <a:srgbClr val="660033"/>
-                </a:solidFill>
-                <a:latin typeface="Microsoft JhengHei" panose="020B0604030504040204" pitchFamily="34" charset="-120"/>
-                <a:ea typeface="Microsoft JhengHei" panose="020B0604030504040204" pitchFamily="34" charset="-120"/>
-              </a:rPr>
-              <a:t>  </a:t>
-            </a:r>
-            <a:r>
-              <a:rPr lang="zh-TW" altLang="en-US" sz="6400" b="1" dirty="0">
-                <a:solidFill>
-                  <a:srgbClr val="660033"/>
-                </a:solidFill>
-                <a:latin typeface="Microsoft JhengHei" panose="020B0604030504040204" pitchFamily="34" charset="-120"/>
-                <a:ea typeface="Microsoft JhengHei" panose="020B0604030504040204" pitchFamily="34" charset="-120"/>
-              </a:rPr>
-              <a:t>飛</a:t>
-            </a:r>
-            <a:r>
-              <a:rPr lang="zh-TW" altLang="en-US" sz="6400" b="1" dirty="0">
-                <a:solidFill>
-                  <a:srgbClr val="660033"/>
-                </a:solidFill>
-                <a:latin typeface="Microsoft JhengHei" panose="020B0604030504040204" pitchFamily="34" charset="-120"/>
-                <a:ea typeface="Microsoft JhengHei" panose="020B0604030504040204" pitchFamily="34" charset="-120"/>
-              </a:rPr>
-              <a:t>到地</a:t>
-            </a:r>
-            <a:r>
-              <a:rPr lang="zh-TW" altLang="en-US" sz="6400" b="1" dirty="0">
-                <a:solidFill>
-                  <a:srgbClr val="660033"/>
-                </a:solidFill>
-                <a:latin typeface="Microsoft JhengHei" panose="020B0604030504040204" pitchFamily="34" charset="-120"/>
-                <a:ea typeface="Microsoft JhengHei" panose="020B0604030504040204" pitchFamily="34" charset="-120"/>
-              </a:rPr>
-              <a:t>極</a:t>
-            </a:r>
-            <a:endParaRPr lang="en-US" altLang="zh-TW" sz="6400" b="1" dirty="0">
-              <a:solidFill>
-                <a:srgbClr val="660033"/>
-              </a:solidFill>
-              <a:latin typeface="Microsoft JhengHei" panose="020B0604030504040204" pitchFamily="34" charset="-120"/>
-              <a:ea typeface="Microsoft JhengHei" panose="020B0604030504040204" pitchFamily="34" charset="-120"/>
-            </a:endParaRPr>
-          </a:p>
-          <a:p>
-            <a:pPr algn="ctr">
-              <a:buNone/>
-            </a:pPr>
-            <a:r>
-              <a:rPr lang="zh-TW" altLang="en-US" sz="6400" b="1" dirty="0">
-                <a:solidFill>
-                  <a:srgbClr val="660033"/>
-                </a:solidFill>
-                <a:latin typeface="Microsoft JhengHei" panose="020B0604030504040204" pitchFamily="34" charset="-120"/>
-                <a:ea typeface="Microsoft JhengHei" panose="020B0604030504040204" pitchFamily="34" charset="-120"/>
-              </a:rPr>
-              <a:t>就在那</a:t>
-            </a:r>
-            <a:r>
-              <a:rPr lang="zh-TW" altLang="en-US" sz="6400" b="1" dirty="0" smtClean="0">
-                <a:solidFill>
-                  <a:srgbClr val="660033"/>
-                </a:solidFill>
-                <a:latin typeface="Microsoft JhengHei" panose="020B0604030504040204" pitchFamily="34" charset="-120"/>
-                <a:ea typeface="Microsoft JhengHei" panose="020B0604030504040204" pitchFamily="34" charset="-120"/>
-              </a:rPr>
-              <a:t>裡  </a:t>
-            </a:r>
-            <a:r>
-              <a:rPr lang="zh-CN" altLang="en-US" sz="6400" b="1" dirty="0" smtClean="0">
-                <a:solidFill>
-                  <a:srgbClr val="660033"/>
-                </a:solidFill>
-                <a:latin typeface="Microsoft JhengHei" panose="020B0604030504040204" pitchFamily="34" charset="-120"/>
-                <a:ea typeface="Microsoft JhengHei" panose="020B0604030504040204" pitchFamily="34" charset="-120"/>
-              </a:rPr>
-              <a:t>袮</a:t>
-            </a:r>
-            <a:r>
-              <a:rPr lang="zh-TW" altLang="en-US" sz="6400" b="1" dirty="0" smtClean="0">
-                <a:solidFill>
-                  <a:srgbClr val="660033"/>
-                </a:solidFill>
-                <a:latin typeface="Microsoft JhengHei" panose="020B0604030504040204" pitchFamily="34" charset="-120"/>
-                <a:ea typeface="Microsoft JhengHei" panose="020B0604030504040204" pitchFamily="34" charset="-120"/>
-              </a:rPr>
-              <a:t>的</a:t>
-            </a:r>
-            <a:r>
-              <a:rPr lang="zh-TW" altLang="en-US" sz="6400" b="1" dirty="0">
-                <a:solidFill>
-                  <a:srgbClr val="660033"/>
-                </a:solidFill>
-                <a:latin typeface="Microsoft JhengHei" panose="020B0604030504040204" pitchFamily="34" charset="-120"/>
-                <a:ea typeface="Microsoft JhengHei" panose="020B0604030504040204" pitchFamily="34" charset="-120"/>
-              </a:rPr>
-              <a:t>雙手也必引導</a:t>
-            </a:r>
-            <a:r>
-              <a:rPr lang="zh-TW" altLang="en-US" sz="6400" b="1" dirty="0" smtClean="0">
-                <a:solidFill>
-                  <a:srgbClr val="660033"/>
-                </a:solidFill>
-                <a:latin typeface="Microsoft JhengHei" panose="020B0604030504040204" pitchFamily="34" charset="-120"/>
-                <a:ea typeface="Microsoft JhengHei" panose="020B0604030504040204" pitchFamily="34" charset="-120"/>
-              </a:rPr>
-              <a:t>我</a:t>
-            </a:r>
-            <a:endParaRPr lang="en-US" altLang="zh-TW" sz="6400" b="1" dirty="0">
-              <a:solidFill>
-                <a:srgbClr val="660033"/>
-              </a:solidFill>
-              <a:latin typeface="Microsoft JhengHei" panose="020B0604030504040204" pitchFamily="34" charset="-120"/>
-              <a:ea typeface="Microsoft JhengHei" panose="020B0604030504040204" pitchFamily="34" charset="-120"/>
-            </a:endParaRPr>
-          </a:p>
-        </p:txBody>
-      </p:sp>
-    </p:spTree>
-    <p:extLst>
-      <p:ext uri="{BB962C8B-B14F-4D97-AF65-F5344CB8AC3E}">
-        <p14:creationId xmlns:p14="http://schemas.microsoft.com/office/powerpoint/2010/main" val="1805946745"/>
-      </p:ext>
-    </p:extLst>
-  </p:cSld>
-  <p:clrMapOvr>
-    <a:masterClrMapping/>
-  </p:clrMapOvr>
-</p:sld>
-</file>
-
 <file path=ppt/slides/slide2.xml><?xml version="1.0" encoding="utf-8"?>
 <p:sld xmlns:a="http://schemas.openxmlformats.org/drawingml/2006/main" xmlns:r="http://schemas.openxmlformats.org/officeDocument/2006/relationships" xmlns:p="http://schemas.openxmlformats.org/presentationml/2006/main">
   <p:cSld>
@@ -3408,7 +3210,7 @@
                 <a:latin typeface="Microsoft JhengHei" panose="020B0604030504040204" pitchFamily="34" charset="-120"/>
                 <a:ea typeface="Microsoft JhengHei" panose="020B0604030504040204" pitchFamily="34" charset="-120"/>
               </a:rPr>
-              <a:t>袮</a:t>
+              <a:t>祢</a:t>
             </a:r>
             <a:r>
               <a:rPr lang="zh-TW" altLang="en-US" sz="6400" b="1" dirty="0" smtClean="0">
@@ -3470,7 +3272,7 @@
                 <a:latin typeface="Microsoft JhengHei" panose="020B0604030504040204" pitchFamily="34" charset="-120"/>
                 <a:ea typeface="Microsoft JhengHei" panose="020B0604030504040204" pitchFamily="34" charset="-120"/>
               </a:rPr>
-              <a:t>袮</a:t>
+              <a:t>祢</a:t>
             </a:r>
             <a:r>
               <a:rPr lang="zh-TW" altLang="en-US" sz="6400" b="1" dirty="0" smtClean="0">
@@ -3497,6 +3299,68 @@
                 <a:srgbClr val="660033"/>
               </a:solidFill>
               <a:latin typeface="Microsoft JhengHei" panose="020B0604030504040204" pitchFamily="34" charset="-120"/>
+              <a:ea typeface="Microsoft JhengHei" panose="020B0604030504040204" pitchFamily="34" charset="-120"/>
+            </a:endParaRPr>
+          </a:p>
+        </p:txBody>
+      </p:sp>
+      <p:sp>
+        <p:nvSpPr>
+          <p:cNvPr id="3" name="TextBox 2"/>
+          <p:cNvSpPr txBox="1"/>
+          <p:nvPr/>
+        </p:nvSpPr>
+        <p:spPr>
+          <a:xfrm>
+            <a:off x="0" y="5229200"/>
+            <a:ext cx="12192000" cy="646331"/>
+          </a:xfrm>
+          <a:prstGeom prst="rect">
+            <a:avLst/>
+          </a:prstGeom>
+          <a:noFill/>
+        </p:spPr>
+        <p:txBody>
+          <a:bodyPr wrap="square" rtlCol="0">
+            <a:spAutoFit/>
+          </a:bodyPr>
+          <a:lstStyle/>
+          <a:p>
+            <a:pPr algn="ctr"/>
+            <a:r>
+              <a:rPr lang="en-US" sz="3600" b="1" dirty="0" smtClean="0">
+                <a:solidFill>
+                  <a:srgbClr val="660033"/>
+                </a:solidFill>
+                <a:latin typeface="Microsoft JhengHei" panose="020B0604030504040204" pitchFamily="34" charset="-120"/>
+                <a:ea typeface="Microsoft JhengHei" panose="020B0604030504040204" pitchFamily="34" charset="-120"/>
+              </a:rPr>
+              <a:t>( </a:t>
+            </a:r>
+            <a:r>
+              <a:rPr lang="zh-CN" altLang="en-US" sz="3600" b="1" dirty="0" smtClean="0">
+                <a:solidFill>
+                  <a:srgbClr val="660033"/>
+                </a:solidFill>
+                <a:latin typeface="Microsoft JhengHei" panose="020B0604030504040204" pitchFamily="34" charset="-120"/>
+                <a:ea typeface="Microsoft JhengHei" panose="020B0604030504040204" pitchFamily="34" charset="-120"/>
+              </a:rPr>
+              <a:t>正歌</a:t>
+            </a:r>
+            <a:r>
+              <a:rPr lang="en-US" sz="3600" b="1" dirty="0" smtClean="0">
+                <a:solidFill>
+                  <a:srgbClr val="660033"/>
+                </a:solidFill>
+                <a:latin typeface="Microsoft JhengHei" panose="020B0604030504040204" pitchFamily="34" charset="-120"/>
+                <a:ea typeface="Microsoft JhengHei" panose="020B0604030504040204" pitchFamily="34" charset="-120"/>
+              </a:rPr>
+              <a:t> )</a:t>
+            </a:r>
+            <a:endParaRPr lang="vi-VN" sz="3600" b="1" dirty="0">
+              <a:solidFill>
+                <a:srgbClr val="660033"/>
+              </a:solidFill>
               <a:ea typeface="Microsoft JhengHei" panose="020B0604030504040204" pitchFamily="34" charset="-120"/>
             </a:endParaRPr>
           </a:p>
@@ -3585,7 +3449,7 @@
                 <a:latin typeface="Microsoft JhengHei" panose="020B0604030504040204" pitchFamily="34" charset="-120"/>
                 <a:ea typeface="Microsoft JhengHei" panose="020B0604030504040204" pitchFamily="34" charset="-120"/>
               </a:rPr>
-              <a:t>袮</a:t>
+              <a:t>祢</a:t>
             </a:r>
             <a:r>
               <a:rPr lang="zh-TW" altLang="en-US" sz="6400" b="1" dirty="0" smtClean="0">
@@ -3620,14 +3484,14 @@
               <a:buNone/>
             </a:pPr>
             <a:r>
-              <a:rPr lang="zh-CN" altLang="en-US" sz="6400" b="1" dirty="0">
-                <a:solidFill>
-                  <a:srgbClr val="660033"/>
-                </a:solidFill>
-                <a:latin typeface="Microsoft JhengHei" panose="020B0604030504040204" pitchFamily="34" charset="-120"/>
-                <a:ea typeface="Microsoft JhengHei" panose="020B0604030504040204" pitchFamily="34" charset="-120"/>
-              </a:rPr>
-              <a:t>袮</a:t>
+              <a:rPr lang="zh-CN" altLang="en-US" sz="6400" b="1" dirty="0" smtClean="0">
+                <a:solidFill>
+                  <a:srgbClr val="660033"/>
+                </a:solidFill>
+                <a:latin typeface="Microsoft JhengHei" panose="020B0604030504040204" pitchFamily="34" charset="-120"/>
+                <a:ea typeface="Microsoft JhengHei" panose="020B0604030504040204" pitchFamily="34" charset="-120"/>
+              </a:rPr>
+              <a:t>祢</a:t>
             </a:r>
             <a:r>
               <a:rPr lang="zh-TW" altLang="en-US" sz="6400" b="1" dirty="0" smtClean="0">
@@ -3654,6 +3518,68 @@
                 <a:srgbClr val="660033"/>
               </a:solidFill>
               <a:latin typeface="Microsoft JhengHei" panose="020B0604030504040204" pitchFamily="34" charset="-120"/>
+              <a:ea typeface="Microsoft JhengHei" panose="020B0604030504040204" pitchFamily="34" charset="-120"/>
+            </a:endParaRPr>
+          </a:p>
+        </p:txBody>
+      </p:sp>
+      <p:sp>
+        <p:nvSpPr>
+          <p:cNvPr id="3" name="TextBox 2"/>
+          <p:cNvSpPr txBox="1"/>
+          <p:nvPr/>
+        </p:nvSpPr>
+        <p:spPr>
+          <a:xfrm>
+            <a:off x="0" y="5229200"/>
+            <a:ext cx="12192000" cy="646331"/>
+          </a:xfrm>
+          <a:prstGeom prst="rect">
+            <a:avLst/>
+          </a:prstGeom>
+          <a:noFill/>
+        </p:spPr>
+        <p:txBody>
+          <a:bodyPr wrap="square" rtlCol="0">
+            <a:spAutoFit/>
+          </a:bodyPr>
+          <a:lstStyle/>
+          <a:p>
+            <a:pPr algn="ctr"/>
+            <a:r>
+              <a:rPr lang="en-US" sz="3600" b="1" dirty="0" smtClean="0">
+                <a:solidFill>
+                  <a:srgbClr val="660033"/>
+                </a:solidFill>
+                <a:latin typeface="Microsoft JhengHei" panose="020B0604030504040204" pitchFamily="34" charset="-120"/>
+                <a:ea typeface="Microsoft JhengHei" panose="020B0604030504040204" pitchFamily="34" charset="-120"/>
+              </a:rPr>
+              <a:t>( </a:t>
+            </a:r>
+            <a:r>
+              <a:rPr lang="zh-CN" altLang="en-US" sz="3600" b="1" dirty="0" smtClean="0">
+                <a:solidFill>
+                  <a:srgbClr val="660033"/>
+                </a:solidFill>
+                <a:latin typeface="Microsoft JhengHei" panose="020B0604030504040204" pitchFamily="34" charset="-120"/>
+                <a:ea typeface="Microsoft JhengHei" panose="020B0604030504040204" pitchFamily="34" charset="-120"/>
+              </a:rPr>
+              <a:t>正歌</a:t>
+            </a:r>
+            <a:r>
+              <a:rPr lang="en-US" sz="3600" b="1" dirty="0" smtClean="0">
+                <a:solidFill>
+                  <a:srgbClr val="660033"/>
+                </a:solidFill>
+                <a:latin typeface="Microsoft JhengHei" panose="020B0604030504040204" pitchFamily="34" charset="-120"/>
+                <a:ea typeface="Microsoft JhengHei" panose="020B0604030504040204" pitchFamily="34" charset="-120"/>
+              </a:rPr>
+              <a:t> )</a:t>
+            </a:r>
+            <a:endParaRPr lang="vi-VN" sz="3600" b="1" dirty="0">
+              <a:solidFill>
+                <a:srgbClr val="660033"/>
+              </a:solidFill>
               <a:ea typeface="Microsoft JhengHei" panose="020B0604030504040204" pitchFamily="34" charset="-120"/>
             </a:endParaRPr>
           </a:p>
@@ -3737,14 +3663,14 @@
               <a:buNone/>
             </a:pPr>
             <a:r>
-              <a:rPr lang="zh-CN" altLang="en-US" sz="6400" b="1" dirty="0">
-                <a:solidFill>
-                  <a:srgbClr val="660033"/>
-                </a:solidFill>
-                <a:latin typeface="Microsoft JhengHei" panose="020B0604030504040204" pitchFamily="34" charset="-120"/>
-                <a:ea typeface="Microsoft JhengHei" panose="020B0604030504040204" pitchFamily="34" charset="-120"/>
-              </a:rPr>
-              <a:t>袮</a:t>
+              <a:rPr lang="zh-CN" altLang="en-US" sz="6400" b="1" dirty="0" smtClean="0">
+                <a:solidFill>
+                  <a:srgbClr val="660033"/>
+                </a:solidFill>
+                <a:latin typeface="Microsoft JhengHei" panose="020B0604030504040204" pitchFamily="34" charset="-120"/>
+                <a:ea typeface="Microsoft JhengHei" panose="020B0604030504040204" pitchFamily="34" charset="-120"/>
+              </a:rPr>
+              <a:t>祢</a:t>
             </a:r>
             <a:r>
               <a:rPr lang="zh-TW" altLang="en-US" sz="6400" b="1" dirty="0" smtClean="0">
@@ -3771,6 +3697,68 @@
                 <a:srgbClr val="660033"/>
               </a:solidFill>
               <a:latin typeface="Microsoft JhengHei" panose="020B0604030504040204" pitchFamily="34" charset="-120"/>
+              <a:ea typeface="Microsoft JhengHei" panose="020B0604030504040204" pitchFamily="34" charset="-120"/>
+            </a:endParaRPr>
+          </a:p>
+        </p:txBody>
+      </p:sp>
+      <p:sp>
+        <p:nvSpPr>
+          <p:cNvPr id="3" name="TextBox 2"/>
+          <p:cNvSpPr txBox="1"/>
+          <p:nvPr/>
+        </p:nvSpPr>
+        <p:spPr>
+          <a:xfrm>
+            <a:off x="0" y="5229200"/>
+            <a:ext cx="12192000" cy="646331"/>
+          </a:xfrm>
+          <a:prstGeom prst="rect">
+            <a:avLst/>
+          </a:prstGeom>
+          <a:noFill/>
+        </p:spPr>
+        <p:txBody>
+          <a:bodyPr wrap="square" rtlCol="0">
+            <a:spAutoFit/>
+          </a:bodyPr>
+          <a:lstStyle/>
+          <a:p>
+            <a:pPr algn="ctr"/>
+            <a:r>
+              <a:rPr lang="en-US" sz="3600" b="1" dirty="0" smtClean="0">
+                <a:solidFill>
+                  <a:srgbClr val="660033"/>
+                </a:solidFill>
+                <a:latin typeface="Microsoft JhengHei" panose="020B0604030504040204" pitchFamily="34" charset="-120"/>
+                <a:ea typeface="Microsoft JhengHei" panose="020B0604030504040204" pitchFamily="34" charset="-120"/>
+              </a:rPr>
+              <a:t>( </a:t>
+            </a:r>
+            <a:r>
+              <a:rPr lang="zh-CN" altLang="en-US" sz="3600" b="1" dirty="0" smtClean="0">
+                <a:solidFill>
+                  <a:srgbClr val="660033"/>
+                </a:solidFill>
+                <a:latin typeface="Microsoft JhengHei" panose="020B0604030504040204" pitchFamily="34" charset="-120"/>
+                <a:ea typeface="Microsoft JhengHei" panose="020B0604030504040204" pitchFamily="34" charset="-120"/>
+              </a:rPr>
+              <a:t>前副歌</a:t>
+            </a:r>
+            <a:r>
+              <a:rPr lang="en-US" sz="3600" b="1" dirty="0" smtClean="0">
+                <a:solidFill>
+                  <a:srgbClr val="660033"/>
+                </a:solidFill>
+                <a:latin typeface="Microsoft JhengHei" panose="020B0604030504040204" pitchFamily="34" charset="-120"/>
+                <a:ea typeface="Microsoft JhengHei" panose="020B0604030504040204" pitchFamily="34" charset="-120"/>
+              </a:rPr>
+              <a:t> )</a:t>
+            </a:r>
+            <a:endParaRPr lang="vi-VN" sz="3600" b="1" dirty="0">
+              <a:solidFill>
+                <a:srgbClr val="660033"/>
+              </a:solidFill>
               <a:ea typeface="Microsoft JhengHei" panose="020B0604030504040204" pitchFamily="34" charset="-120"/>
             </a:endParaRPr>
           </a:p>
@@ -3832,14 +3820,14 @@
               <a:buNone/>
             </a:pPr>
             <a:r>
-              <a:rPr lang="zh-CN" altLang="en-US" sz="6400" b="1" dirty="0">
-                <a:solidFill>
-                  <a:srgbClr val="660033"/>
-                </a:solidFill>
-                <a:latin typeface="Microsoft JhengHei" panose="020B0604030504040204" pitchFamily="34" charset="-120"/>
-                <a:ea typeface="Microsoft JhengHei" panose="020B0604030504040204" pitchFamily="34" charset="-120"/>
-              </a:rPr>
-              <a:t>袮</a:t>
+              <a:rPr lang="zh-CN" altLang="en-US" sz="6400" b="1" dirty="0" smtClean="0">
+                <a:solidFill>
+                  <a:srgbClr val="660033"/>
+                </a:solidFill>
+                <a:latin typeface="Microsoft JhengHei" panose="020B0604030504040204" pitchFamily="34" charset="-120"/>
+                <a:ea typeface="Microsoft JhengHei" panose="020B0604030504040204" pitchFamily="34" charset="-120"/>
+              </a:rPr>
+              <a:t>祢</a:t>
             </a:r>
             <a:r>
               <a:rPr lang="zh-TW" altLang="en-US" sz="6400" b="1" dirty="0" smtClean="0">
@@ -3888,6 +3876,68 @@
                 <a:srgbClr val="660033"/>
               </a:solidFill>
               <a:latin typeface="Microsoft JhengHei" panose="020B0604030504040204" pitchFamily="34" charset="-120"/>
+              <a:ea typeface="Microsoft JhengHei" panose="020B0604030504040204" pitchFamily="34" charset="-120"/>
+            </a:endParaRPr>
+          </a:p>
+        </p:txBody>
+      </p:sp>
+      <p:sp>
+        <p:nvSpPr>
+          <p:cNvPr id="3" name="TextBox 2"/>
+          <p:cNvSpPr txBox="1"/>
+          <p:nvPr/>
+        </p:nvSpPr>
+        <p:spPr>
+          <a:xfrm>
+            <a:off x="0" y="5229200"/>
+            <a:ext cx="12192000" cy="646331"/>
+          </a:xfrm>
+          <a:prstGeom prst="rect">
+            <a:avLst/>
+          </a:prstGeom>
+          <a:noFill/>
+        </p:spPr>
+        <p:txBody>
+          <a:bodyPr wrap="square" rtlCol="0">
+            <a:spAutoFit/>
+          </a:bodyPr>
+          <a:lstStyle/>
+          <a:p>
+            <a:pPr algn="ctr"/>
+            <a:r>
+              <a:rPr lang="en-US" sz="3600" b="1" dirty="0" smtClean="0">
+                <a:solidFill>
+                  <a:srgbClr val="660033"/>
+                </a:solidFill>
+                <a:latin typeface="Microsoft JhengHei" panose="020B0604030504040204" pitchFamily="34" charset="-120"/>
+                <a:ea typeface="Microsoft JhengHei" panose="020B0604030504040204" pitchFamily="34" charset="-120"/>
+              </a:rPr>
+              <a:t>( </a:t>
+            </a:r>
+            <a:r>
+              <a:rPr lang="zh-CN" altLang="en-US" sz="3600" b="1" dirty="0" smtClean="0">
+                <a:solidFill>
+                  <a:srgbClr val="660033"/>
+                </a:solidFill>
+                <a:latin typeface="Microsoft JhengHei" panose="020B0604030504040204" pitchFamily="34" charset="-120"/>
+                <a:ea typeface="Microsoft JhengHei" panose="020B0604030504040204" pitchFamily="34" charset="-120"/>
+              </a:rPr>
+              <a:t>前副歌</a:t>
+            </a:r>
+            <a:r>
+              <a:rPr lang="en-US" sz="3600" b="1" dirty="0" smtClean="0">
+                <a:solidFill>
+                  <a:srgbClr val="660033"/>
+                </a:solidFill>
+                <a:latin typeface="Microsoft JhengHei" panose="020B0604030504040204" pitchFamily="34" charset="-120"/>
+                <a:ea typeface="Microsoft JhengHei" panose="020B0604030504040204" pitchFamily="34" charset="-120"/>
+              </a:rPr>
+              <a:t> )</a:t>
+            </a:r>
+            <a:endParaRPr lang="vi-VN" sz="3600" b="1" dirty="0">
+              <a:solidFill>
+                <a:srgbClr val="660033"/>
+              </a:solidFill>
               <a:ea typeface="Microsoft JhengHei" panose="020B0604030504040204" pitchFamily="34" charset="-120"/>
             </a:endParaRPr>
           </a:p>
@@ -3990,6 +4040,68 @@
           </a:p>
         </p:txBody>
       </p:sp>
+      <p:sp>
+        <p:nvSpPr>
+          <p:cNvPr id="3" name="TextBox 2"/>
+          <p:cNvSpPr txBox="1"/>
+          <p:nvPr/>
+        </p:nvSpPr>
+        <p:spPr>
+          <a:xfrm>
+            <a:off x="0" y="5229200"/>
+            <a:ext cx="12192000" cy="646331"/>
+          </a:xfrm>
+          <a:prstGeom prst="rect">
+            <a:avLst/>
+          </a:prstGeom>
+          <a:noFill/>
+        </p:spPr>
+        <p:txBody>
+          <a:bodyPr wrap="square" rtlCol="0">
+            <a:spAutoFit/>
+          </a:bodyPr>
+          <a:lstStyle/>
+          <a:p>
+            <a:pPr algn="ctr"/>
+            <a:r>
+              <a:rPr lang="en-US" sz="3600" b="1" dirty="0" smtClean="0">
+                <a:solidFill>
+                  <a:srgbClr val="660033"/>
+                </a:solidFill>
+                <a:latin typeface="Microsoft JhengHei" panose="020B0604030504040204" pitchFamily="34" charset="-120"/>
+                <a:ea typeface="Microsoft JhengHei" panose="020B0604030504040204" pitchFamily="34" charset="-120"/>
+              </a:rPr>
+              <a:t>( </a:t>
+            </a:r>
+            <a:r>
+              <a:rPr lang="zh-CN" altLang="en-US" sz="3600" b="1" dirty="0" smtClean="0">
+                <a:solidFill>
+                  <a:srgbClr val="660033"/>
+                </a:solidFill>
+                <a:latin typeface="Microsoft JhengHei" panose="020B0604030504040204" pitchFamily="34" charset="-120"/>
+                <a:ea typeface="Microsoft JhengHei" panose="020B0604030504040204" pitchFamily="34" charset="-120"/>
+              </a:rPr>
+              <a:t>前副歌</a:t>
+            </a:r>
+            <a:r>
+              <a:rPr lang="en-US" sz="3600" b="1" dirty="0" smtClean="0">
+                <a:solidFill>
+                  <a:srgbClr val="660033"/>
+                </a:solidFill>
+                <a:latin typeface="Microsoft JhengHei" panose="020B0604030504040204" pitchFamily="34" charset="-120"/>
+                <a:ea typeface="Microsoft JhengHei" panose="020B0604030504040204" pitchFamily="34" charset="-120"/>
+              </a:rPr>
+              <a:t> )</a:t>
+            </a:r>
+            <a:endParaRPr lang="vi-VN" sz="3600" b="1" dirty="0">
+              <a:solidFill>
+                <a:srgbClr val="660033"/>
+              </a:solidFill>
+              <a:ea typeface="Microsoft JhengHei" panose="020B0604030504040204" pitchFamily="34" charset="-120"/>
+            </a:endParaRPr>
+          </a:p>
+        </p:txBody>
+      </p:sp>
     </p:spTree>
     <p:extLst>
       <p:ext uri="{BB962C8B-B14F-4D97-AF65-F5344CB8AC3E}">
@@ -4046,14 +4158,14 @@
               <a:buNone/>
             </a:pPr>
             <a:r>
-              <a:rPr lang="zh-CN" altLang="en-US" sz="6400" b="1" dirty="0">
-                <a:solidFill>
-                  <a:srgbClr val="660033"/>
-                </a:solidFill>
-                <a:latin typeface="Microsoft JhengHei" panose="020B0604030504040204" pitchFamily="34" charset="-120"/>
-                <a:ea typeface="Microsoft JhengHei" panose="020B0604030504040204" pitchFamily="34" charset="-120"/>
-              </a:rPr>
-              <a:t>袮</a:t>
+              <a:rPr lang="zh-CN" altLang="en-US" sz="6400" b="1" dirty="0" smtClean="0">
+                <a:solidFill>
+                  <a:srgbClr val="660033"/>
+                </a:solidFill>
+                <a:latin typeface="Microsoft JhengHei" panose="020B0604030504040204" pitchFamily="34" charset="-120"/>
+                <a:ea typeface="Microsoft JhengHei" panose="020B0604030504040204" pitchFamily="34" charset="-120"/>
+              </a:rPr>
+              <a:t>祢</a:t>
             </a:r>
             <a:r>
               <a:rPr lang="zh-TW" altLang="en-US" sz="6400" b="1" dirty="0" smtClean="0">
@@ -4086,14 +4198,14 @@
               <a:t>高</a:t>
             </a:r>
             <a:r>
-              <a:rPr lang="zh-CN" altLang="en-US" sz="6400" b="1" dirty="0">
-                <a:solidFill>
-                  <a:srgbClr val="660033"/>
-                </a:solidFill>
-                <a:latin typeface="Microsoft JhengHei" panose="020B0604030504040204" pitchFamily="34" charset="-120"/>
-                <a:ea typeface="Microsoft JhengHei" panose="020B0604030504040204" pitchFamily="34" charset="-120"/>
-              </a:rPr>
-              <a:t>袮</a:t>
+              <a:rPr lang="zh-CN" altLang="en-US" sz="6400" b="1" dirty="0" smtClean="0">
+                <a:solidFill>
+                  <a:srgbClr val="660033"/>
+                </a:solidFill>
+                <a:latin typeface="Microsoft JhengHei" panose="020B0604030504040204" pitchFamily="34" charset="-120"/>
+                <a:ea typeface="Microsoft JhengHei" panose="020B0604030504040204" pitchFamily="34" charset="-120"/>
+              </a:rPr>
+              <a:t>祢</a:t>
             </a:r>
             <a:r>
               <a:rPr lang="zh-TW" altLang="en-US" sz="6400" b="1" dirty="0" smtClean="0">
@@ -4142,6 +4254,68 @@
                 <a:srgbClr val="660033"/>
               </a:solidFill>
               <a:latin typeface="Microsoft JhengHei" panose="020B0604030504040204" pitchFamily="34" charset="-120"/>
+              <a:ea typeface="Microsoft JhengHei" panose="020B0604030504040204" pitchFamily="34" charset="-120"/>
+            </a:endParaRPr>
+          </a:p>
+        </p:txBody>
+      </p:sp>
+      <p:sp>
+        <p:nvSpPr>
+          <p:cNvPr id="3" name="TextBox 2"/>
+          <p:cNvSpPr txBox="1"/>
+          <p:nvPr/>
+        </p:nvSpPr>
+        <p:spPr>
+          <a:xfrm>
+            <a:off x="0" y="5229200"/>
+            <a:ext cx="12192000" cy="646331"/>
+          </a:xfrm>
+          <a:prstGeom prst="rect">
+            <a:avLst/>
+          </a:prstGeom>
+          <a:noFill/>
+        </p:spPr>
+        <p:txBody>
+          <a:bodyPr wrap="square" rtlCol="0">
+            <a:spAutoFit/>
+          </a:bodyPr>
+          <a:lstStyle/>
+          <a:p>
+            <a:pPr algn="ctr"/>
+            <a:r>
+              <a:rPr lang="en-US" sz="3600" b="1" dirty="0" smtClean="0">
+                <a:solidFill>
+                  <a:srgbClr val="660033"/>
+                </a:solidFill>
+                <a:latin typeface="Microsoft JhengHei" panose="020B0604030504040204" pitchFamily="34" charset="-120"/>
+                <a:ea typeface="Microsoft JhengHei" panose="020B0604030504040204" pitchFamily="34" charset="-120"/>
+              </a:rPr>
+              <a:t>( </a:t>
+            </a:r>
+            <a:r>
+              <a:rPr lang="zh-CN" altLang="en-US" sz="3600" b="1" dirty="0" smtClean="0">
+                <a:solidFill>
+                  <a:srgbClr val="660033"/>
+                </a:solidFill>
+                <a:latin typeface="Microsoft JhengHei" panose="020B0604030504040204" pitchFamily="34" charset="-120"/>
+                <a:ea typeface="Microsoft JhengHei" panose="020B0604030504040204" pitchFamily="34" charset="-120"/>
+              </a:rPr>
+              <a:t>前副歌</a:t>
+            </a:r>
+            <a:r>
+              <a:rPr lang="en-US" sz="3600" b="1" dirty="0" smtClean="0">
+                <a:solidFill>
+                  <a:srgbClr val="660033"/>
+                </a:solidFill>
+                <a:latin typeface="Microsoft JhengHei" panose="020B0604030504040204" pitchFamily="34" charset="-120"/>
+                <a:ea typeface="Microsoft JhengHei" panose="020B0604030504040204" pitchFamily="34" charset="-120"/>
+              </a:rPr>
+              <a:t> )</a:t>
+            </a:r>
+            <a:endParaRPr lang="vi-VN" sz="3600" b="1" dirty="0">
+              <a:solidFill>
+                <a:srgbClr val="660033"/>
+              </a:solidFill>
               <a:ea typeface="Microsoft JhengHei" panose="020B0604030504040204" pitchFamily="34" charset="-120"/>
             </a:endParaRPr>
           </a:p>
@@ -4210,8 +4384,100 @@
                 <a:latin typeface="Microsoft JhengHei" panose="020B0604030504040204" pitchFamily="34" charset="-120"/>
                 <a:ea typeface="Microsoft JhengHei" panose="020B0604030504040204" pitchFamily="34" charset="-120"/>
               </a:rPr>
-              <a:t>我可以往哪</a:t>
-            </a:r>
+              <a:t>我可以往</a:t>
+            </a:r>
+            <a:r>
+              <a:rPr lang="zh-TW" altLang="en-US" sz="6400" b="1" dirty="0" smtClean="0">
+                <a:solidFill>
+                  <a:srgbClr val="660033"/>
+                </a:solidFill>
+                <a:latin typeface="Microsoft JhengHei" panose="020B0604030504040204" pitchFamily="34" charset="-120"/>
+                <a:ea typeface="Microsoft JhengHei" panose="020B0604030504040204" pitchFamily="34" charset="-120"/>
+              </a:rPr>
+              <a:t>哪裡</a:t>
+            </a:r>
+            <a:r>
+              <a:rPr lang="en-US" altLang="zh-TW" sz="6400" b="1" dirty="0">
+                <a:solidFill>
+                  <a:srgbClr val="660033"/>
+                </a:solidFill>
+                <a:latin typeface="Microsoft JhengHei" panose="020B0604030504040204" pitchFamily="34" charset="-120"/>
+                <a:ea typeface="Microsoft JhengHei" panose="020B0604030504040204" pitchFamily="34" charset="-120"/>
+              </a:rPr>
+              <a:t> </a:t>
+            </a:r>
+            <a:r>
+              <a:rPr lang="en-US" altLang="zh-TW" sz="6400" b="1" dirty="0" smtClean="0">
+                <a:solidFill>
+                  <a:srgbClr val="660033"/>
+                </a:solidFill>
+                <a:latin typeface="Microsoft JhengHei" panose="020B0604030504040204" pitchFamily="34" charset="-120"/>
+                <a:ea typeface="Microsoft JhengHei" panose="020B0604030504040204" pitchFamily="34" charset="-120"/>
+              </a:rPr>
+              <a:t> </a:t>
+            </a:r>
+            <a:r>
+              <a:rPr lang="zh-TW" altLang="en-US" sz="6400" b="1" dirty="0" smtClean="0">
+                <a:solidFill>
+                  <a:srgbClr val="660033"/>
+                </a:solidFill>
+                <a:latin typeface="Microsoft JhengHei" panose="020B0604030504040204" pitchFamily="34" charset="-120"/>
+                <a:ea typeface="Microsoft JhengHei" panose="020B0604030504040204" pitchFamily="34" charset="-120"/>
+              </a:rPr>
+              <a:t>去躲</a:t>
+            </a:r>
+            <a:r>
+              <a:rPr lang="zh-TW" altLang="en-US" sz="6400" b="1" dirty="0" smtClean="0">
+                <a:solidFill>
+                  <a:srgbClr val="660033"/>
+                </a:solidFill>
+                <a:latin typeface="Microsoft JhengHei" panose="020B0604030504040204" pitchFamily="34" charset="-120"/>
+                <a:ea typeface="Microsoft JhengHei" panose="020B0604030504040204" pitchFamily="34" charset="-120"/>
+              </a:rPr>
+              <a:t>避</a:t>
+            </a:r>
+            <a:r>
+              <a:rPr lang="zh-CN" altLang="en-US" sz="6400" b="1" dirty="0" smtClean="0">
+                <a:solidFill>
+                  <a:srgbClr val="660033"/>
+                </a:solidFill>
+                <a:latin typeface="Microsoft JhengHei" panose="020B0604030504040204" pitchFamily="34" charset="-120"/>
+                <a:ea typeface="Microsoft JhengHei" panose="020B0604030504040204" pitchFamily="34" charset="-120"/>
+              </a:rPr>
+              <a:t>祢</a:t>
+            </a:r>
+            <a:r>
+              <a:rPr lang="zh-TW" altLang="en-US" sz="6400" b="1" dirty="0" smtClean="0">
+                <a:solidFill>
+                  <a:srgbClr val="660033"/>
+                </a:solidFill>
+                <a:latin typeface="Microsoft JhengHei" panose="020B0604030504040204" pitchFamily="34" charset="-120"/>
+                <a:ea typeface="Microsoft JhengHei" panose="020B0604030504040204" pitchFamily="34" charset="-120"/>
+              </a:rPr>
+              <a:t>的</a:t>
+            </a:r>
+            <a:r>
+              <a:rPr lang="zh-TW" altLang="en-US" sz="6400" b="1" dirty="0" smtClean="0">
+                <a:solidFill>
+                  <a:srgbClr val="660033"/>
+                </a:solidFill>
+                <a:latin typeface="Microsoft JhengHei" panose="020B0604030504040204" pitchFamily="34" charset="-120"/>
+                <a:ea typeface="Microsoft JhengHei" panose="020B0604030504040204" pitchFamily="34" charset="-120"/>
+              </a:rPr>
+              <a:t>靈</a:t>
+            </a:r>
+            <a:endParaRPr lang="en-US" altLang="zh-TW" sz="6400" b="1" dirty="0" smtClean="0">
+              <a:solidFill>
+                <a:srgbClr val="660033"/>
+              </a:solidFill>
+              <a:latin typeface="Microsoft JhengHei" panose="020B0604030504040204" pitchFamily="34" charset="-120"/>
+              <a:ea typeface="Microsoft JhengHei" panose="020B0604030504040204" pitchFamily="34" charset="-120"/>
+            </a:endParaRPr>
+          </a:p>
+          <a:p>
+            <a:pPr algn="ctr">
+              <a:buNone/>
+            </a:pPr>
             <a:r>
               <a:rPr lang="zh-TW" altLang="en-US" sz="6400" b="1" dirty="0">
                 <a:solidFill>
@@ -4220,7 +4486,67 @@
                 <a:latin typeface="Microsoft JhengHei" panose="020B0604030504040204" pitchFamily="34" charset="-120"/>
                 <a:ea typeface="Microsoft JhengHei" panose="020B0604030504040204" pitchFamily="34" charset="-120"/>
               </a:rPr>
-              <a:t>裡</a:t>
+              <a:t>我可以往哪裡去逃</a:t>
+            </a:r>
+            <a:r>
+              <a:rPr lang="en-US" altLang="zh-TW" sz="6400" b="1" dirty="0">
+                <a:solidFill>
+                  <a:srgbClr val="660033"/>
+                </a:solidFill>
+                <a:latin typeface="Microsoft JhengHei" panose="020B0604030504040204" pitchFamily="34" charset="-120"/>
+                <a:ea typeface="Microsoft JhengHei" panose="020B0604030504040204" pitchFamily="34" charset="-120"/>
+              </a:rPr>
+              <a:t>  </a:t>
+            </a:r>
+            <a:r>
+              <a:rPr lang="zh-TW" altLang="en-US" sz="6400" b="1" dirty="0">
+                <a:solidFill>
+                  <a:srgbClr val="660033"/>
+                </a:solidFill>
+                <a:latin typeface="Microsoft JhengHei" panose="020B0604030504040204" pitchFamily="34" charset="-120"/>
+                <a:ea typeface="Microsoft JhengHei" panose="020B0604030504040204" pitchFamily="34" charset="-120"/>
+              </a:rPr>
+              <a:t>可躲</a:t>
+            </a:r>
+            <a:r>
+              <a:rPr lang="zh-TW" altLang="en-US" sz="6400" b="1" dirty="0" smtClean="0">
+                <a:solidFill>
+                  <a:srgbClr val="660033"/>
+                </a:solidFill>
+                <a:latin typeface="Microsoft JhengHei" panose="020B0604030504040204" pitchFamily="34" charset="-120"/>
+                <a:ea typeface="Microsoft JhengHei" panose="020B0604030504040204" pitchFamily="34" charset="-120"/>
+              </a:rPr>
+              <a:t>避</a:t>
+            </a:r>
+            <a:r>
+              <a:rPr lang="zh-CN" altLang="en-US" sz="6400" b="1" dirty="0" smtClean="0">
+                <a:solidFill>
+                  <a:srgbClr val="660033"/>
+                </a:solidFill>
+                <a:latin typeface="Microsoft JhengHei" panose="020B0604030504040204" pitchFamily="34" charset="-120"/>
+                <a:ea typeface="Microsoft JhengHei" panose="020B0604030504040204" pitchFamily="34" charset="-120"/>
+              </a:rPr>
+              <a:t>祢</a:t>
+            </a:r>
+            <a:r>
+              <a:rPr lang="zh-TW" altLang="en-US" sz="6400" b="1" dirty="0" smtClean="0">
+                <a:solidFill>
+                  <a:srgbClr val="660033"/>
+                </a:solidFill>
+                <a:latin typeface="Microsoft JhengHei" panose="020B0604030504040204" pitchFamily="34" charset="-120"/>
+                <a:ea typeface="Microsoft JhengHei" panose="020B0604030504040204" pitchFamily="34" charset="-120"/>
+              </a:rPr>
+              <a:t>的</a:t>
+            </a:r>
+            <a:r>
+              <a:rPr lang="zh-TW" altLang="en-US" sz="6400" b="1" dirty="0" smtClean="0">
+                <a:solidFill>
+                  <a:srgbClr val="660033"/>
+                </a:solidFill>
+                <a:latin typeface="Microsoft JhengHei" panose="020B0604030504040204" pitchFamily="34" charset="-120"/>
+                <a:ea typeface="Microsoft JhengHei" panose="020B0604030504040204" pitchFamily="34" charset="-120"/>
+              </a:rPr>
+              <a:t>面</a:t>
             </a:r>
             <a:endParaRPr lang="en-US" altLang="zh-TW" sz="6400" b="1" dirty="0">
               <a:solidFill>
@@ -4230,75 +4556,65 @@
               <a:ea typeface="Microsoft JhengHei" panose="020B0604030504040204" pitchFamily="34" charset="-120"/>
             </a:endParaRPr>
           </a:p>
-          <a:p>
-            <a:pPr algn="ctr">
-              <a:buNone/>
-            </a:pPr>
-            <a:r>
-              <a:rPr lang="zh-TW" altLang="en-US" sz="6400" b="1" dirty="0">
-                <a:solidFill>
-                  <a:srgbClr val="660033"/>
-                </a:solidFill>
-                <a:latin typeface="Microsoft JhengHei" panose="020B0604030504040204" pitchFamily="34" charset="-120"/>
-                <a:ea typeface="Microsoft JhengHei" panose="020B0604030504040204" pitchFamily="34" charset="-120"/>
-              </a:rPr>
-              <a:t>去</a:t>
-            </a:r>
-            <a:r>
-              <a:rPr lang="zh-TW" altLang="en-US" sz="6400" b="1" dirty="0">
-                <a:solidFill>
-                  <a:srgbClr val="660033"/>
-                </a:solidFill>
-                <a:latin typeface="Microsoft JhengHei" panose="020B0604030504040204" pitchFamily="34" charset="-120"/>
-                <a:ea typeface="Microsoft JhengHei" panose="020B0604030504040204" pitchFamily="34" charset="-120"/>
-              </a:rPr>
-              <a:t>躲</a:t>
-            </a:r>
-            <a:r>
-              <a:rPr lang="zh-TW" altLang="en-US" sz="6400" b="1" dirty="0" smtClean="0">
-                <a:solidFill>
-                  <a:srgbClr val="660033"/>
-                </a:solidFill>
-                <a:latin typeface="Microsoft JhengHei" panose="020B0604030504040204" pitchFamily="34" charset="-120"/>
-                <a:ea typeface="Microsoft JhengHei" panose="020B0604030504040204" pitchFamily="34" charset="-120"/>
-              </a:rPr>
-              <a:t>避</a:t>
-            </a:r>
-            <a:r>
-              <a:rPr lang="zh-CN" altLang="en-US" sz="6400" b="1" dirty="0">
-                <a:solidFill>
-                  <a:srgbClr val="660033"/>
-                </a:solidFill>
-                <a:latin typeface="Microsoft JhengHei" panose="020B0604030504040204" pitchFamily="34" charset="-120"/>
-                <a:ea typeface="Microsoft JhengHei" panose="020B0604030504040204" pitchFamily="34" charset="-120"/>
-              </a:rPr>
-              <a:t>袮</a:t>
-            </a:r>
-            <a:r>
-              <a:rPr lang="zh-TW" altLang="en-US" sz="6400" b="1" dirty="0" smtClean="0">
-                <a:solidFill>
-                  <a:srgbClr val="660033"/>
-                </a:solidFill>
-                <a:latin typeface="Microsoft JhengHei" panose="020B0604030504040204" pitchFamily="34" charset="-120"/>
-                <a:ea typeface="Microsoft JhengHei" panose="020B0604030504040204" pitchFamily="34" charset="-120"/>
-              </a:rPr>
-              <a:t>的</a:t>
-            </a:r>
-            <a:r>
-              <a:rPr lang="zh-TW" altLang="en-US" sz="6400" b="1" dirty="0">
-                <a:solidFill>
-                  <a:srgbClr val="660033"/>
-                </a:solidFill>
-                <a:latin typeface="Microsoft JhengHei" panose="020B0604030504040204" pitchFamily="34" charset="-120"/>
-                <a:ea typeface="Microsoft JhengHei" panose="020B0604030504040204" pitchFamily="34" charset="-120"/>
-              </a:rPr>
-              <a:t>靈</a:t>
-            </a:r>
-            <a:endParaRPr lang="en-US" altLang="zh-TW" sz="6400" b="1" dirty="0">
+        </p:txBody>
+      </p:sp>
+      <p:sp>
+        <p:nvSpPr>
+          <p:cNvPr id="3" name="TextBox 2"/>
+          <p:cNvSpPr txBox="1"/>
+          <p:nvPr/>
+        </p:nvSpPr>
+        <p:spPr>
+          <a:xfrm>
+            <a:off x="0" y="5229200"/>
+            <a:ext cx="12192000" cy="646331"/>
+          </a:xfrm>
+          <a:prstGeom prst="rect">
+            <a:avLst/>
+          </a:prstGeom>
+          <a:noFill/>
+        </p:spPr>
+        <p:txBody>
+          <a:bodyPr wrap="square" rtlCol="0">
+            <a:spAutoFit/>
+          </a:bodyPr>
+          <a:lstStyle/>
+          <a:p>
+            <a:pPr algn="ctr"/>
+            <a:r>
+              <a:rPr lang="en-US" sz="3600" b="1" dirty="0" smtClean="0">
+                <a:solidFill>
+                  <a:srgbClr val="660033"/>
+                </a:solidFill>
+                <a:latin typeface="Microsoft JhengHei" panose="020B0604030504040204" pitchFamily="34" charset="-120"/>
+                <a:ea typeface="Microsoft JhengHei" panose="020B0604030504040204" pitchFamily="34" charset="-120"/>
+              </a:rPr>
+              <a:t>( </a:t>
+            </a:r>
+            <a:r>
+              <a:rPr lang="zh-CN" altLang="en-US" sz="3600" b="1" dirty="0" smtClean="0">
+                <a:solidFill>
+                  <a:srgbClr val="660033"/>
+                </a:solidFill>
+                <a:latin typeface="Microsoft JhengHei" panose="020B0604030504040204" pitchFamily="34" charset="-120"/>
+                <a:ea typeface="Microsoft JhengHei" panose="020B0604030504040204" pitchFamily="34" charset="-120"/>
+              </a:rPr>
+              <a:t>副歌</a:t>
+            </a:r>
+            <a:r>
+              <a:rPr lang="en-US" sz="3600" b="1" dirty="0" smtClean="0">
+                <a:solidFill>
+                  <a:srgbClr val="660033"/>
+                </a:solidFill>
+                <a:latin typeface="Microsoft JhengHei" panose="020B0604030504040204" pitchFamily="34" charset="-120"/>
+                <a:ea typeface="Microsoft JhengHei" panose="020B0604030504040204" pitchFamily="34" charset="-120"/>
+              </a:rPr>
+              <a:t> )</a:t>
+            </a:r>
+            <a:endParaRPr lang="vi-VN" sz="3600" b="1" dirty="0">
               <a:solidFill>
                 <a:srgbClr val="660033"/>
               </a:solidFill>
-              <a:latin typeface="Microsoft JhengHei" panose="020B0604030504040204" pitchFamily="34" charset="-120"/>
               <a:ea typeface="Microsoft JhengHei" panose="020B0604030504040204" pitchFamily="34" charset="-120"/>
             </a:endParaRPr>
           </a:p>
@@ -4367,7 +4683,27 @@
                 <a:latin typeface="Microsoft JhengHei" panose="020B0604030504040204" pitchFamily="34" charset="-120"/>
                 <a:ea typeface="Microsoft JhengHei" panose="020B0604030504040204" pitchFamily="34" charset="-120"/>
               </a:rPr>
-              <a:t>我可以往哪裡去逃</a:t>
+              <a:t>我若展開清晨的翅膀</a:t>
+            </a:r>
+            <a:r>
+              <a:rPr lang="en-US" altLang="zh-TW" sz="6400" b="1" dirty="0">
+                <a:solidFill>
+                  <a:srgbClr val="660033"/>
+                </a:solidFill>
+                <a:latin typeface="Microsoft JhengHei" panose="020B0604030504040204" pitchFamily="34" charset="-120"/>
+                <a:ea typeface="Microsoft JhengHei" panose="020B0604030504040204" pitchFamily="34" charset="-120"/>
+              </a:rPr>
+              <a:t>  </a:t>
+            </a:r>
+            <a:r>
+              <a:rPr lang="zh-TW" altLang="en-US" sz="6400" b="1" dirty="0">
+                <a:solidFill>
+                  <a:srgbClr val="660033"/>
+                </a:solidFill>
+                <a:latin typeface="Microsoft JhengHei" panose="020B0604030504040204" pitchFamily="34" charset="-120"/>
+                <a:ea typeface="Microsoft JhengHei" panose="020B0604030504040204" pitchFamily="34" charset="-120"/>
+              </a:rPr>
+              <a:t>飛到地極</a:t>
             </a:r>
             <a:endParaRPr lang="en-US" altLang="zh-TW" sz="6400" b="1" dirty="0">
               <a:solidFill>
@@ -4389,7 +4725,7 @@
                 <a:latin typeface="Microsoft JhengHei" panose="020B0604030504040204" pitchFamily="34" charset="-120"/>
                 <a:ea typeface="Microsoft JhengHei" panose="020B0604030504040204" pitchFamily="34" charset="-120"/>
               </a:rPr>
-              <a:t>可躲</a:t>
+              <a:t>就在那</a:t>
             </a:r>
             <a:r>
               <a:rPr lang="zh-TW" altLang="en-US" sz="6400" b="1" dirty="0" smtClean="0">
@@ -4399,17 +4735,17 @@
                 <a:latin typeface="Microsoft JhengHei" panose="020B0604030504040204" pitchFamily="34" charset="-120"/>
                 <a:ea typeface="Microsoft JhengHei" panose="020B0604030504040204" pitchFamily="34" charset="-120"/>
               </a:rPr>
-              <a:t>避</a:t>
-            </a:r>
-            <a:r>
-              <a:rPr lang="zh-CN" altLang="en-US" sz="6400" b="1" dirty="0">
-                <a:solidFill>
-                  <a:srgbClr val="660033"/>
-                </a:solidFill>
-                <a:latin typeface="Microsoft JhengHei" panose="020B0604030504040204" pitchFamily="34" charset="-120"/>
-                <a:ea typeface="Microsoft JhengHei" panose="020B0604030504040204" pitchFamily="34" charset="-120"/>
-              </a:rPr>
-              <a:t>袮</a:t>
+              <a:t>裡  </a:t>
+            </a:r>
+            <a:r>
+              <a:rPr lang="zh-CN" altLang="en-US" sz="6400" b="1" dirty="0" smtClean="0">
+                <a:solidFill>
+                  <a:srgbClr val="660033"/>
+                </a:solidFill>
+                <a:latin typeface="Microsoft JhengHei" panose="020B0604030504040204" pitchFamily="34" charset="-120"/>
+                <a:ea typeface="Microsoft JhengHei" panose="020B0604030504040204" pitchFamily="34" charset="-120"/>
+              </a:rPr>
+              <a:t>祢</a:t>
             </a:r>
             <a:r>
               <a:rPr lang="zh-TW" altLang="en-US" sz="6400" b="1" dirty="0" smtClean="0">
@@ -4429,7 +4765,17 @@
                 <a:latin typeface="Microsoft JhengHei" panose="020B0604030504040204" pitchFamily="34" charset="-120"/>
                 <a:ea typeface="Microsoft JhengHei" panose="020B0604030504040204" pitchFamily="34" charset="-120"/>
               </a:rPr>
-              <a:t>面</a:t>
+              <a:t>雙手也必引導</a:t>
+            </a:r>
+            <a:r>
+              <a:rPr lang="zh-TW" altLang="en-US" sz="6400" b="1" dirty="0" smtClean="0">
+                <a:solidFill>
+                  <a:srgbClr val="660033"/>
+                </a:solidFill>
+                <a:latin typeface="Microsoft JhengHei" panose="020B0604030504040204" pitchFamily="34" charset="-120"/>
+                <a:ea typeface="Microsoft JhengHei" panose="020B0604030504040204" pitchFamily="34" charset="-120"/>
+              </a:rPr>
+              <a:t>我</a:t>
             </a:r>
             <a:endParaRPr lang="en-US" altLang="zh-TW" sz="6400" b="1" dirty="0">
               <a:solidFill>
@@ -4441,10 +4787,72 @@
           </a:p>
         </p:txBody>
       </p:sp>
+      <p:sp>
+        <p:nvSpPr>
+          <p:cNvPr id="3" name="TextBox 2"/>
+          <p:cNvSpPr txBox="1"/>
+          <p:nvPr/>
+        </p:nvSpPr>
+        <p:spPr>
+          <a:xfrm>
+            <a:off x="0" y="5229200"/>
+            <a:ext cx="12192000" cy="646331"/>
+          </a:xfrm>
+          <a:prstGeom prst="rect">
+            <a:avLst/>
+          </a:prstGeom>
+          <a:noFill/>
+        </p:spPr>
+        <p:txBody>
+          <a:bodyPr wrap="square" rtlCol="0">
+            <a:spAutoFit/>
+          </a:bodyPr>
+          <a:lstStyle/>
+          <a:p>
+            <a:pPr algn="ctr"/>
+            <a:r>
+              <a:rPr lang="en-US" sz="3600" b="1" dirty="0">
+                <a:solidFill>
+                  <a:srgbClr val="660033"/>
+                </a:solidFill>
+                <a:latin typeface="Microsoft JhengHei" panose="020B0604030504040204" pitchFamily="34" charset="-120"/>
+                <a:ea typeface="Microsoft JhengHei" panose="020B0604030504040204" pitchFamily="34" charset="-120"/>
+              </a:rPr>
+              <a:t>( </a:t>
+            </a:r>
+            <a:r>
+              <a:rPr lang="zh-CN" altLang="en-US" sz="3600" b="1" dirty="0">
+                <a:solidFill>
+                  <a:srgbClr val="660033"/>
+                </a:solidFill>
+                <a:latin typeface="Microsoft JhengHei" panose="020B0604030504040204" pitchFamily="34" charset="-120"/>
+                <a:ea typeface="Microsoft JhengHei" panose="020B0604030504040204" pitchFamily="34" charset="-120"/>
+              </a:rPr>
+              <a:t>副歌</a:t>
+            </a:r>
+            <a:r>
+              <a:rPr lang="en-US" sz="3600" b="1" dirty="0">
+                <a:solidFill>
+                  <a:srgbClr val="660033"/>
+                </a:solidFill>
+                <a:latin typeface="Microsoft JhengHei" panose="020B0604030504040204" pitchFamily="34" charset="-120"/>
+                <a:ea typeface="Microsoft JhengHei" panose="020B0604030504040204" pitchFamily="34" charset="-120"/>
+              </a:rPr>
+              <a:t> )</a:t>
+            </a:r>
+            <a:endParaRPr lang="vi-VN" sz="3600" b="1" dirty="0">
+              <a:solidFill>
+                <a:srgbClr val="660033"/>
+              </a:solidFill>
+              <a:ea typeface="Microsoft JhengHei" panose="020B0604030504040204" pitchFamily="34" charset="-120"/>
+            </a:endParaRPr>
+          </a:p>
+        </p:txBody>
+      </p:sp>
     </p:spTree>
     <p:extLst>
       <p:ext uri="{BB962C8B-B14F-4D97-AF65-F5344CB8AC3E}">
-        <p14:creationId xmlns:p14="http://schemas.microsoft.com/office/powerpoint/2010/main" val="536771512"/>
+        <p14:creationId xmlns:p14="http://schemas.microsoft.com/office/powerpoint/2010/main" val="1805946745"/>
       </p:ext>
     </p:extLst>
   </p:cSld>
